--- a/image-templates/1200x675.pptx
+++ b/image-templates/1200x675.pptx
@@ -2,18 +2,18 @@
 <file path=ppt/presentation.xml><?xml version="1.0" encoding="utf-8"?>
 <p:presentation xmlns:a="http://schemas.openxmlformats.org/drawingml/2006/main" xmlns:r="http://schemas.openxmlformats.org/officeDocument/2006/relationships" xmlns:p="http://schemas.openxmlformats.org/presentationml/2006/main" saveSubsetFonts="1">
   <p:sldMasterIdLst>
-    <p:sldMasterId id="2147483648" r:id="rId1"/>
+    <p:sldMasterId id="2147483660" r:id="rId1"/>
   </p:sldMasterIdLst>
   <p:sldIdLst>
     <p:sldId id="256" r:id="rId2"/>
   </p:sldIdLst>
-  <p:sldSz cx="12192000" cy="6858000"/>
+  <p:sldSz cx="11430000" cy="6429375"/>
   <p:notesSz cx="6858000" cy="9144000"/>
   <p:defaultTextStyle>
     <a:defPPr>
       <a:defRPr lang="en-US"/>
     </a:defPPr>
-    <a:lvl1pPr marL="0" algn="l" defTabSz="914400" rtl="0" eaLnBrk="1" latinLnBrk="0" hangingPunct="1">
+    <a:lvl1pPr marL="0" algn="l" defTabSz="457200" rtl="0" eaLnBrk="1" latinLnBrk="0" hangingPunct="1">
       <a:defRPr sz="1800" kern="1200">
         <a:solidFill>
           <a:schemeClr val="tx1"/>
@@ -23,7 +23,7 @@
         <a:cs typeface="+mn-cs"/>
       </a:defRPr>
     </a:lvl1pPr>
-    <a:lvl2pPr marL="457200" algn="l" defTabSz="914400" rtl="0" eaLnBrk="1" latinLnBrk="0" hangingPunct="1">
+    <a:lvl2pPr marL="457200" algn="l" defTabSz="457200" rtl="0" eaLnBrk="1" latinLnBrk="0" hangingPunct="1">
       <a:defRPr sz="1800" kern="1200">
         <a:solidFill>
           <a:schemeClr val="tx1"/>
@@ -33,7 +33,7 @@
         <a:cs typeface="+mn-cs"/>
       </a:defRPr>
     </a:lvl2pPr>
-    <a:lvl3pPr marL="914400" algn="l" defTabSz="914400" rtl="0" eaLnBrk="1" latinLnBrk="0" hangingPunct="1">
+    <a:lvl3pPr marL="914400" algn="l" defTabSz="457200" rtl="0" eaLnBrk="1" latinLnBrk="0" hangingPunct="1">
       <a:defRPr sz="1800" kern="1200">
         <a:solidFill>
           <a:schemeClr val="tx1"/>
@@ -43,7 +43,7 @@
         <a:cs typeface="+mn-cs"/>
       </a:defRPr>
     </a:lvl3pPr>
-    <a:lvl4pPr marL="1371600" algn="l" defTabSz="914400" rtl="0" eaLnBrk="1" latinLnBrk="0" hangingPunct="1">
+    <a:lvl4pPr marL="1371600" algn="l" defTabSz="457200" rtl="0" eaLnBrk="1" latinLnBrk="0" hangingPunct="1">
       <a:defRPr sz="1800" kern="1200">
         <a:solidFill>
           <a:schemeClr val="tx1"/>
@@ -53,7 +53,7 @@
         <a:cs typeface="+mn-cs"/>
       </a:defRPr>
     </a:lvl4pPr>
-    <a:lvl5pPr marL="1828800" algn="l" defTabSz="914400" rtl="0" eaLnBrk="1" latinLnBrk="0" hangingPunct="1">
+    <a:lvl5pPr marL="1828800" algn="l" defTabSz="457200" rtl="0" eaLnBrk="1" latinLnBrk="0" hangingPunct="1">
       <a:defRPr sz="1800" kern="1200">
         <a:solidFill>
           <a:schemeClr val="tx1"/>
@@ -63,7 +63,7 @@
         <a:cs typeface="+mn-cs"/>
       </a:defRPr>
     </a:lvl5pPr>
-    <a:lvl6pPr marL="2286000" algn="l" defTabSz="914400" rtl="0" eaLnBrk="1" latinLnBrk="0" hangingPunct="1">
+    <a:lvl6pPr marL="2286000" algn="l" defTabSz="457200" rtl="0" eaLnBrk="1" latinLnBrk="0" hangingPunct="1">
       <a:defRPr sz="1800" kern="1200">
         <a:solidFill>
           <a:schemeClr val="tx1"/>
@@ -73,7 +73,7 @@
         <a:cs typeface="+mn-cs"/>
       </a:defRPr>
     </a:lvl6pPr>
-    <a:lvl7pPr marL="2743200" algn="l" defTabSz="914400" rtl="0" eaLnBrk="1" latinLnBrk="0" hangingPunct="1">
+    <a:lvl7pPr marL="2743200" algn="l" defTabSz="457200" rtl="0" eaLnBrk="1" latinLnBrk="0" hangingPunct="1">
       <a:defRPr sz="1800" kern="1200">
         <a:solidFill>
           <a:schemeClr val="tx1"/>
@@ -83,7 +83,7 @@
         <a:cs typeface="+mn-cs"/>
       </a:defRPr>
     </a:lvl7pPr>
-    <a:lvl8pPr marL="3200400" algn="l" defTabSz="914400" rtl="0" eaLnBrk="1" latinLnBrk="0" hangingPunct="1">
+    <a:lvl8pPr marL="3200400" algn="l" defTabSz="457200" rtl="0" eaLnBrk="1" latinLnBrk="0" hangingPunct="1">
       <a:defRPr sz="1800" kern="1200">
         <a:solidFill>
           <a:schemeClr val="tx1"/>
@@ -93,7 +93,7 @@
         <a:cs typeface="+mn-cs"/>
       </a:defRPr>
     </a:lvl8pPr>
-    <a:lvl9pPr marL="3657600" algn="l" defTabSz="914400" rtl="0" eaLnBrk="1" latinLnBrk="0" hangingPunct="1">
+    <a:lvl9pPr marL="3657600" algn="l" defTabSz="457200" rtl="0" eaLnBrk="1" latinLnBrk="0" hangingPunct="1">
       <a:defRPr sz="1800" kern="1200">
         <a:solidFill>
           <a:schemeClr val="tx1"/>
@@ -104,6 +104,11 @@
       </a:defRPr>
     </a:lvl9pPr>
   </p:defaultTextStyle>
+  <p:extLst>
+    <p:ext uri="{EFAFB233-063F-42B5-8137-9DF3F51BA10A}">
+      <p15:sldGuideLst xmlns:p15="http://schemas.microsoft.com/office/powerpoint/2012/main"/>
+    </p:ext>
+  </p:extLst>
 </p:presentation>
 </file>
 
@@ -126,13 +131,7 @@
       </p:grpSpPr>
       <p:sp>
         <p:nvSpPr>
-          <p:cNvPr id="2" name="Title 1">
-            <a:extLst>
-              <a:ext uri="{FF2B5EF4-FFF2-40B4-BE49-F238E27FC236}">
-                <a16:creationId xmlns:a16="http://schemas.microsoft.com/office/drawing/2014/main" id="{04FE1DD8-1E01-45C8-8E0C-50C8D98E70DD}"/>
-              </a:ext>
-            </a:extLst>
-          </p:cNvPr>
+          <p:cNvPr id="2" name="Title 1"/>
           <p:cNvSpPr>
             <a:spLocks noGrp="1"/>
           </p:cNvSpPr>
@@ -142,15 +141,15 @@
         </p:nvSpPr>
         <p:spPr>
           <a:xfrm>
-            <a:off x="1524000" y="1122363"/>
-            <a:ext cx="9144000" cy="2387600"/>
+            <a:off x="1428750" y="1052215"/>
+            <a:ext cx="8572500" cy="2238375"/>
           </a:xfrm>
         </p:spPr>
         <p:txBody>
           <a:bodyPr anchor="b"/>
           <a:lstStyle>
             <a:lvl1pPr algn="ctr">
-              <a:defRPr sz="6000"/>
+              <a:defRPr sz="5625"/>
             </a:lvl1pPr>
           </a:lstStyle>
           <a:p>
@@ -158,18 +157,13 @@
               <a:rPr lang="en-US"/>
               <a:t>Click to edit Master title style</a:t>
             </a:r>
-          </a:p>
-        </p:txBody>
-      </p:sp>
-      <p:sp>
-        <p:nvSpPr>
-          <p:cNvPr id="3" name="Subtitle 2">
-            <a:extLst>
-              <a:ext uri="{FF2B5EF4-FFF2-40B4-BE49-F238E27FC236}">
-                <a16:creationId xmlns:a16="http://schemas.microsoft.com/office/drawing/2014/main" id="{AAAE3576-9EFD-4365-B0A2-20D170A44FAD}"/>
-              </a:ext>
-            </a:extLst>
-          </p:cNvPr>
+            <a:endParaRPr lang="en-US" dirty="0"/>
+          </a:p>
+        </p:txBody>
+      </p:sp>
+      <p:sp>
+        <p:nvSpPr>
+          <p:cNvPr id="3" name="Subtitle 2"/>
           <p:cNvSpPr>
             <a:spLocks noGrp="1"/>
           </p:cNvSpPr>
@@ -179,8 +173,8 @@
         </p:nvSpPr>
         <p:spPr>
           <a:xfrm>
-            <a:off x="1524000" y="3602038"/>
-            <a:ext cx="9144000" cy="1655762"/>
+            <a:off x="1428750" y="3376911"/>
+            <a:ext cx="8572500" cy="1552277"/>
           </a:xfrm>
         </p:spPr>
         <p:txBody>
@@ -188,39 +182,39 @@
           <a:lstStyle>
             <a:lvl1pPr marL="0" indent="0" algn="ctr">
               <a:buNone/>
-              <a:defRPr sz="2400"/>
+              <a:defRPr sz="2250"/>
             </a:lvl1pPr>
-            <a:lvl2pPr marL="457200" indent="0" algn="ctr">
-              <a:buNone/>
-              <a:defRPr sz="2000"/>
+            <a:lvl2pPr marL="428625" indent="0" algn="ctr">
+              <a:buNone/>
+              <a:defRPr sz="1875"/>
             </a:lvl2pPr>
-            <a:lvl3pPr marL="914400" indent="0" algn="ctr">
-              <a:buNone/>
-              <a:defRPr sz="1800"/>
+            <a:lvl3pPr marL="857250" indent="0" algn="ctr">
+              <a:buNone/>
+              <a:defRPr sz="1688"/>
             </a:lvl3pPr>
-            <a:lvl4pPr marL="1371600" indent="0" algn="ctr">
-              <a:buNone/>
-              <a:defRPr sz="1600"/>
+            <a:lvl4pPr marL="1285875" indent="0" algn="ctr">
+              <a:buNone/>
+              <a:defRPr sz="1500"/>
             </a:lvl4pPr>
-            <a:lvl5pPr marL="1828800" indent="0" algn="ctr">
-              <a:buNone/>
-              <a:defRPr sz="1600"/>
+            <a:lvl5pPr marL="1714500" indent="0" algn="ctr">
+              <a:buNone/>
+              <a:defRPr sz="1500"/>
             </a:lvl5pPr>
-            <a:lvl6pPr marL="2286000" indent="0" algn="ctr">
-              <a:buNone/>
-              <a:defRPr sz="1600"/>
+            <a:lvl6pPr marL="2143125" indent="0" algn="ctr">
+              <a:buNone/>
+              <a:defRPr sz="1500"/>
             </a:lvl6pPr>
-            <a:lvl7pPr marL="2743200" indent="0" algn="ctr">
-              <a:buNone/>
-              <a:defRPr sz="1600"/>
+            <a:lvl7pPr marL="2571750" indent="0" algn="ctr">
+              <a:buNone/>
+              <a:defRPr sz="1500"/>
             </a:lvl7pPr>
-            <a:lvl8pPr marL="3200400" indent="0" algn="ctr">
-              <a:buNone/>
-              <a:defRPr sz="1600"/>
+            <a:lvl8pPr marL="3000375" indent="0" algn="ctr">
+              <a:buNone/>
+              <a:defRPr sz="1500"/>
             </a:lvl8pPr>
-            <a:lvl9pPr marL="3657600" indent="0" algn="ctr">
-              <a:buNone/>
-              <a:defRPr sz="1600"/>
+            <a:lvl9pPr marL="3429000" indent="0" algn="ctr">
+              <a:buNone/>
+              <a:defRPr sz="1500"/>
             </a:lvl9pPr>
           </a:lstStyle>
           <a:p>
@@ -228,18 +222,13 @@
               <a:rPr lang="en-US"/>
               <a:t>Click to edit Master subtitle style</a:t>
             </a:r>
-          </a:p>
-        </p:txBody>
-      </p:sp>
-      <p:sp>
-        <p:nvSpPr>
-          <p:cNvPr id="4" name="Date Placeholder 3">
-            <a:extLst>
-              <a:ext uri="{FF2B5EF4-FFF2-40B4-BE49-F238E27FC236}">
-                <a16:creationId xmlns:a16="http://schemas.microsoft.com/office/drawing/2014/main" id="{0B3B1485-CF8A-4FA2-A8A1-28873301D2CA}"/>
-              </a:ext>
-            </a:extLst>
-          </p:cNvPr>
+            <a:endParaRPr lang="en-US" dirty="0"/>
+          </a:p>
+        </p:txBody>
+      </p:sp>
+      <p:sp>
+        <p:nvSpPr>
+          <p:cNvPr id="4" name="Date Placeholder 3"/>
           <p:cNvSpPr>
             <a:spLocks noGrp="1"/>
           </p:cNvSpPr>
@@ -254,7 +243,7 @@
           <a:p>
             <a:fld id="{A7241F81-3603-4DB5-9239-49014A35A5A8}" type="datetimeFigureOut">
               <a:rPr lang="en-US" smtClean="0"/>
-              <a:t>4/27/2018</a:t>
+              <a:t>6/5/2018</a:t>
             </a:fld>
             <a:endParaRPr lang="en-US"/>
           </a:p>
@@ -262,13 +251,7 @@
       </p:sp>
       <p:sp>
         <p:nvSpPr>
-          <p:cNvPr id="5" name="Footer Placeholder 4">
-            <a:extLst>
-              <a:ext uri="{FF2B5EF4-FFF2-40B4-BE49-F238E27FC236}">
-                <a16:creationId xmlns:a16="http://schemas.microsoft.com/office/drawing/2014/main" id="{F1051AFF-5D7F-4BFC-895A-49A1248108A2}"/>
-              </a:ext>
-            </a:extLst>
-          </p:cNvPr>
+          <p:cNvPr id="5" name="Footer Placeholder 4"/>
           <p:cNvSpPr>
             <a:spLocks noGrp="1"/>
           </p:cNvSpPr>
@@ -287,13 +270,7 @@
       </p:sp>
       <p:sp>
         <p:nvSpPr>
-          <p:cNvPr id="6" name="Slide Number Placeholder 5">
-            <a:extLst>
-              <a:ext uri="{FF2B5EF4-FFF2-40B4-BE49-F238E27FC236}">
-                <a16:creationId xmlns:a16="http://schemas.microsoft.com/office/drawing/2014/main" id="{D62635BF-3360-42C4-8E77-3E5F27E35E9C}"/>
-              </a:ext>
-            </a:extLst>
-          </p:cNvPr>
+          <p:cNvPr id="6" name="Slide Number Placeholder 5"/>
           <p:cNvSpPr>
             <a:spLocks noGrp="1"/>
           </p:cNvSpPr>
@@ -317,7 +294,7 @@
     </p:spTree>
     <p:extLst>
       <p:ext uri="{BB962C8B-B14F-4D97-AF65-F5344CB8AC3E}">
-        <p14:creationId xmlns:p14="http://schemas.microsoft.com/office/powerpoint/2010/main" val="1636088128"/>
+        <p14:creationId xmlns:p14="http://schemas.microsoft.com/office/powerpoint/2010/main" val="4067350981"/>
       </p:ext>
     </p:extLst>
   </p:cSld>
@@ -346,13 +323,7 @@
       </p:grpSpPr>
       <p:sp>
         <p:nvSpPr>
-          <p:cNvPr id="2" name="Title 1">
-            <a:extLst>
-              <a:ext uri="{FF2B5EF4-FFF2-40B4-BE49-F238E27FC236}">
-                <a16:creationId xmlns:a16="http://schemas.microsoft.com/office/drawing/2014/main" id="{6C4C82C0-A077-41FA-9ECE-BF8D58A6DF7B}"/>
-              </a:ext>
-            </a:extLst>
-          </p:cNvPr>
+          <p:cNvPr id="2" name="Title 1"/>
           <p:cNvSpPr>
             <a:spLocks noGrp="1"/>
           </p:cNvSpPr>
@@ -369,18 +340,13 @@
               <a:rPr lang="en-US"/>
               <a:t>Click to edit Master title style</a:t>
             </a:r>
-          </a:p>
-        </p:txBody>
-      </p:sp>
-      <p:sp>
-        <p:nvSpPr>
-          <p:cNvPr id="3" name="Vertical Text Placeholder 2">
-            <a:extLst>
-              <a:ext uri="{FF2B5EF4-FFF2-40B4-BE49-F238E27FC236}">
-                <a16:creationId xmlns:a16="http://schemas.microsoft.com/office/drawing/2014/main" id="{50F8D83E-E898-40BD-BA5E-A46594A0FCA5}"/>
-              </a:ext>
-            </a:extLst>
-          </p:cNvPr>
+            <a:endParaRPr lang="en-US" dirty="0"/>
+          </a:p>
+        </p:txBody>
+      </p:sp>
+      <p:sp>
+        <p:nvSpPr>
+          <p:cNvPr id="3" name="Vertical Text Placeholder 2"/>
           <p:cNvSpPr>
             <a:spLocks noGrp="1"/>
           </p:cNvSpPr>
@@ -426,18 +392,13 @@
               <a:rPr lang="en-US"/>
               <a:t>Fifth level</a:t>
             </a:r>
-          </a:p>
-        </p:txBody>
-      </p:sp>
-      <p:sp>
-        <p:nvSpPr>
-          <p:cNvPr id="4" name="Date Placeholder 3">
-            <a:extLst>
-              <a:ext uri="{FF2B5EF4-FFF2-40B4-BE49-F238E27FC236}">
-                <a16:creationId xmlns:a16="http://schemas.microsoft.com/office/drawing/2014/main" id="{52B2C89E-CCDA-4111-8346-3C9AD36383F9}"/>
-              </a:ext>
-            </a:extLst>
-          </p:cNvPr>
+            <a:endParaRPr lang="en-US" dirty="0"/>
+          </a:p>
+        </p:txBody>
+      </p:sp>
+      <p:sp>
+        <p:nvSpPr>
+          <p:cNvPr id="4" name="Date Placeholder 3"/>
           <p:cNvSpPr>
             <a:spLocks noGrp="1"/>
           </p:cNvSpPr>
@@ -452,7 +413,7 @@
           <a:p>
             <a:fld id="{A7241F81-3603-4DB5-9239-49014A35A5A8}" type="datetimeFigureOut">
               <a:rPr lang="en-US" smtClean="0"/>
-              <a:t>4/27/2018</a:t>
+              <a:t>6/5/2018</a:t>
             </a:fld>
             <a:endParaRPr lang="en-US"/>
           </a:p>
@@ -460,13 +421,7 @@
       </p:sp>
       <p:sp>
         <p:nvSpPr>
-          <p:cNvPr id="5" name="Footer Placeholder 4">
-            <a:extLst>
-              <a:ext uri="{FF2B5EF4-FFF2-40B4-BE49-F238E27FC236}">
-                <a16:creationId xmlns:a16="http://schemas.microsoft.com/office/drawing/2014/main" id="{05476422-EDF7-46F6-BF73-EDF46260F794}"/>
-              </a:ext>
-            </a:extLst>
-          </p:cNvPr>
+          <p:cNvPr id="5" name="Footer Placeholder 4"/>
           <p:cNvSpPr>
             <a:spLocks noGrp="1"/>
           </p:cNvSpPr>
@@ -485,13 +440,7 @@
       </p:sp>
       <p:sp>
         <p:nvSpPr>
-          <p:cNvPr id="6" name="Slide Number Placeholder 5">
-            <a:extLst>
-              <a:ext uri="{FF2B5EF4-FFF2-40B4-BE49-F238E27FC236}">
-                <a16:creationId xmlns:a16="http://schemas.microsoft.com/office/drawing/2014/main" id="{933F92F1-0CCD-4C0B-8BDB-6AC740F5D6CD}"/>
-              </a:ext>
-            </a:extLst>
-          </p:cNvPr>
+          <p:cNvPr id="6" name="Slide Number Placeholder 5"/>
           <p:cNvSpPr>
             <a:spLocks noGrp="1"/>
           </p:cNvSpPr>
@@ -515,7 +464,7 @@
     </p:spTree>
     <p:extLst>
       <p:ext uri="{BB962C8B-B14F-4D97-AF65-F5344CB8AC3E}">
-        <p14:creationId xmlns:p14="http://schemas.microsoft.com/office/powerpoint/2010/main" val="2502083992"/>
+        <p14:creationId xmlns:p14="http://schemas.microsoft.com/office/powerpoint/2010/main" val="3369883492"/>
       </p:ext>
     </p:extLst>
   </p:cSld>
@@ -544,13 +493,7 @@
       </p:grpSpPr>
       <p:sp>
         <p:nvSpPr>
-          <p:cNvPr id="2" name="Vertical Title 1">
-            <a:extLst>
-              <a:ext uri="{FF2B5EF4-FFF2-40B4-BE49-F238E27FC236}">
-                <a16:creationId xmlns:a16="http://schemas.microsoft.com/office/drawing/2014/main" id="{CECD8294-E135-4396-9A72-6D4EC8EEF979}"/>
-              </a:ext>
-            </a:extLst>
-          </p:cNvPr>
+          <p:cNvPr id="2" name="Vertical Title 1"/>
           <p:cNvSpPr>
             <a:spLocks noGrp="1"/>
           </p:cNvSpPr>
@@ -560,8 +503,8 @@
         </p:nvSpPr>
         <p:spPr>
           <a:xfrm>
-            <a:off x="8724900" y="365125"/>
-            <a:ext cx="2628900" cy="5811838"/>
+            <a:off x="8179594" y="342305"/>
+            <a:ext cx="2464594" cy="5448598"/>
           </a:xfrm>
         </p:spPr>
         <p:txBody>
@@ -572,18 +515,13 @@
               <a:rPr lang="en-US"/>
               <a:t>Click to edit Master title style</a:t>
             </a:r>
-          </a:p>
-        </p:txBody>
-      </p:sp>
-      <p:sp>
-        <p:nvSpPr>
-          <p:cNvPr id="3" name="Vertical Text Placeholder 2">
-            <a:extLst>
-              <a:ext uri="{FF2B5EF4-FFF2-40B4-BE49-F238E27FC236}">
-                <a16:creationId xmlns:a16="http://schemas.microsoft.com/office/drawing/2014/main" id="{0C7F1178-E375-41BC-B473-C1E266AC8D56}"/>
-              </a:ext>
-            </a:extLst>
-          </p:cNvPr>
+            <a:endParaRPr lang="en-US" dirty="0"/>
+          </a:p>
+        </p:txBody>
+      </p:sp>
+      <p:sp>
+        <p:nvSpPr>
+          <p:cNvPr id="3" name="Vertical Text Placeholder 2"/>
           <p:cNvSpPr>
             <a:spLocks noGrp="1"/>
           </p:cNvSpPr>
@@ -593,8 +531,8 @@
         </p:nvSpPr>
         <p:spPr>
           <a:xfrm>
-            <a:off x="838200" y="365125"/>
-            <a:ext cx="7734300" cy="5811838"/>
+            <a:off x="785813" y="342305"/>
+            <a:ext cx="7250906" cy="5448598"/>
           </a:xfrm>
         </p:spPr>
         <p:txBody>
@@ -634,18 +572,13 @@
               <a:rPr lang="en-US"/>
               <a:t>Fifth level</a:t>
             </a:r>
-          </a:p>
-        </p:txBody>
-      </p:sp>
-      <p:sp>
-        <p:nvSpPr>
-          <p:cNvPr id="4" name="Date Placeholder 3">
-            <a:extLst>
-              <a:ext uri="{FF2B5EF4-FFF2-40B4-BE49-F238E27FC236}">
-                <a16:creationId xmlns:a16="http://schemas.microsoft.com/office/drawing/2014/main" id="{292FA035-2BE1-42AD-B390-AAABC5114A7A}"/>
-              </a:ext>
-            </a:extLst>
-          </p:cNvPr>
+            <a:endParaRPr lang="en-US" dirty="0"/>
+          </a:p>
+        </p:txBody>
+      </p:sp>
+      <p:sp>
+        <p:nvSpPr>
+          <p:cNvPr id="4" name="Date Placeholder 3"/>
           <p:cNvSpPr>
             <a:spLocks noGrp="1"/>
           </p:cNvSpPr>
@@ -660,7 +593,7 @@
           <a:p>
             <a:fld id="{A7241F81-3603-4DB5-9239-49014A35A5A8}" type="datetimeFigureOut">
               <a:rPr lang="en-US" smtClean="0"/>
-              <a:t>4/27/2018</a:t>
+              <a:t>6/5/2018</a:t>
             </a:fld>
             <a:endParaRPr lang="en-US"/>
           </a:p>
@@ -668,13 +601,7 @@
       </p:sp>
       <p:sp>
         <p:nvSpPr>
-          <p:cNvPr id="5" name="Footer Placeholder 4">
-            <a:extLst>
-              <a:ext uri="{FF2B5EF4-FFF2-40B4-BE49-F238E27FC236}">
-                <a16:creationId xmlns:a16="http://schemas.microsoft.com/office/drawing/2014/main" id="{8FD02E79-30A1-44B1-B3B3-837499EC2E78}"/>
-              </a:ext>
-            </a:extLst>
-          </p:cNvPr>
+          <p:cNvPr id="5" name="Footer Placeholder 4"/>
           <p:cNvSpPr>
             <a:spLocks noGrp="1"/>
           </p:cNvSpPr>
@@ -693,13 +620,7 @@
       </p:sp>
       <p:sp>
         <p:nvSpPr>
-          <p:cNvPr id="6" name="Slide Number Placeholder 5">
-            <a:extLst>
-              <a:ext uri="{FF2B5EF4-FFF2-40B4-BE49-F238E27FC236}">
-                <a16:creationId xmlns:a16="http://schemas.microsoft.com/office/drawing/2014/main" id="{187AE301-84A0-45E7-AA84-634AB05999FA}"/>
-              </a:ext>
-            </a:extLst>
-          </p:cNvPr>
+          <p:cNvPr id="6" name="Slide Number Placeholder 5"/>
           <p:cNvSpPr>
             <a:spLocks noGrp="1"/>
           </p:cNvSpPr>
@@ -723,7 +644,7 @@
     </p:spTree>
     <p:extLst>
       <p:ext uri="{BB962C8B-B14F-4D97-AF65-F5344CB8AC3E}">
-        <p14:creationId xmlns:p14="http://schemas.microsoft.com/office/powerpoint/2010/main" val="3174454255"/>
+        <p14:creationId xmlns:p14="http://schemas.microsoft.com/office/powerpoint/2010/main" val="1278082753"/>
       </p:ext>
     </p:extLst>
   </p:cSld>
@@ -752,13 +673,7 @@
       </p:grpSpPr>
       <p:sp>
         <p:nvSpPr>
-          <p:cNvPr id="2" name="Title 1">
-            <a:extLst>
-              <a:ext uri="{FF2B5EF4-FFF2-40B4-BE49-F238E27FC236}">
-                <a16:creationId xmlns:a16="http://schemas.microsoft.com/office/drawing/2014/main" id="{569FABAD-BB5E-41AB-B26A-E7CA553D3608}"/>
-              </a:ext>
-            </a:extLst>
-          </p:cNvPr>
+          <p:cNvPr id="2" name="Title 1"/>
           <p:cNvSpPr>
             <a:spLocks noGrp="1"/>
           </p:cNvSpPr>
@@ -775,18 +690,13 @@
               <a:rPr lang="en-US"/>
               <a:t>Click to edit Master title style</a:t>
             </a:r>
-          </a:p>
-        </p:txBody>
-      </p:sp>
-      <p:sp>
-        <p:nvSpPr>
-          <p:cNvPr id="3" name="Content Placeholder 2">
-            <a:extLst>
-              <a:ext uri="{FF2B5EF4-FFF2-40B4-BE49-F238E27FC236}">
-                <a16:creationId xmlns:a16="http://schemas.microsoft.com/office/drawing/2014/main" id="{892A2234-5501-4CC3-9C63-378ED2C9B15E}"/>
-              </a:ext>
-            </a:extLst>
-          </p:cNvPr>
+            <a:endParaRPr lang="en-US" dirty="0"/>
+          </a:p>
+        </p:txBody>
+      </p:sp>
+      <p:sp>
+        <p:nvSpPr>
+          <p:cNvPr id="3" name="Content Placeholder 2"/>
           <p:cNvSpPr>
             <a:spLocks noGrp="1"/>
           </p:cNvSpPr>
@@ -832,18 +742,13 @@
               <a:rPr lang="en-US"/>
               <a:t>Fifth level</a:t>
             </a:r>
-          </a:p>
-        </p:txBody>
-      </p:sp>
-      <p:sp>
-        <p:nvSpPr>
-          <p:cNvPr id="4" name="Date Placeholder 3">
-            <a:extLst>
-              <a:ext uri="{FF2B5EF4-FFF2-40B4-BE49-F238E27FC236}">
-                <a16:creationId xmlns:a16="http://schemas.microsoft.com/office/drawing/2014/main" id="{27F25890-3792-4DE3-A523-4F9ADEBF2ED3}"/>
-              </a:ext>
-            </a:extLst>
-          </p:cNvPr>
+            <a:endParaRPr lang="en-US" dirty="0"/>
+          </a:p>
+        </p:txBody>
+      </p:sp>
+      <p:sp>
+        <p:nvSpPr>
+          <p:cNvPr id="4" name="Date Placeholder 3"/>
           <p:cNvSpPr>
             <a:spLocks noGrp="1"/>
           </p:cNvSpPr>
@@ -858,7 +763,7 @@
           <a:p>
             <a:fld id="{A7241F81-3603-4DB5-9239-49014A35A5A8}" type="datetimeFigureOut">
               <a:rPr lang="en-US" smtClean="0"/>
-              <a:t>4/27/2018</a:t>
+              <a:t>6/5/2018</a:t>
             </a:fld>
             <a:endParaRPr lang="en-US"/>
           </a:p>
@@ -866,13 +771,7 @@
       </p:sp>
       <p:sp>
         <p:nvSpPr>
-          <p:cNvPr id="5" name="Footer Placeholder 4">
-            <a:extLst>
-              <a:ext uri="{FF2B5EF4-FFF2-40B4-BE49-F238E27FC236}">
-                <a16:creationId xmlns:a16="http://schemas.microsoft.com/office/drawing/2014/main" id="{D8D74604-56CB-48E4-877B-FEC7D4C38617}"/>
-              </a:ext>
-            </a:extLst>
-          </p:cNvPr>
+          <p:cNvPr id="5" name="Footer Placeholder 4"/>
           <p:cNvSpPr>
             <a:spLocks noGrp="1"/>
           </p:cNvSpPr>
@@ -891,13 +790,7 @@
       </p:sp>
       <p:sp>
         <p:nvSpPr>
-          <p:cNvPr id="6" name="Slide Number Placeholder 5">
-            <a:extLst>
-              <a:ext uri="{FF2B5EF4-FFF2-40B4-BE49-F238E27FC236}">
-                <a16:creationId xmlns:a16="http://schemas.microsoft.com/office/drawing/2014/main" id="{58596727-1116-4E86-AE99-5BE76451E38F}"/>
-              </a:ext>
-            </a:extLst>
-          </p:cNvPr>
+          <p:cNvPr id="6" name="Slide Number Placeholder 5"/>
           <p:cNvSpPr>
             <a:spLocks noGrp="1"/>
           </p:cNvSpPr>
@@ -921,7 +814,7 @@
     </p:spTree>
     <p:extLst>
       <p:ext uri="{BB962C8B-B14F-4D97-AF65-F5344CB8AC3E}">
-        <p14:creationId xmlns:p14="http://schemas.microsoft.com/office/powerpoint/2010/main" val="3281739358"/>
+        <p14:creationId xmlns:p14="http://schemas.microsoft.com/office/powerpoint/2010/main" val="1759282345"/>
       </p:ext>
     </p:extLst>
   </p:cSld>
@@ -950,13 +843,7 @@
       </p:grpSpPr>
       <p:sp>
         <p:nvSpPr>
-          <p:cNvPr id="2" name="Title 1">
-            <a:extLst>
-              <a:ext uri="{FF2B5EF4-FFF2-40B4-BE49-F238E27FC236}">
-                <a16:creationId xmlns:a16="http://schemas.microsoft.com/office/drawing/2014/main" id="{0A7BEA05-5BA0-4855-B510-AF7F0FBC759E}"/>
-              </a:ext>
-            </a:extLst>
-          </p:cNvPr>
+          <p:cNvPr id="2" name="Title 1"/>
           <p:cNvSpPr>
             <a:spLocks noGrp="1"/>
           </p:cNvSpPr>
@@ -966,15 +853,15 @@
         </p:nvSpPr>
         <p:spPr>
           <a:xfrm>
-            <a:off x="831850" y="1709738"/>
-            <a:ext cx="10515600" cy="2852737"/>
+            <a:off x="779859" y="1602880"/>
+            <a:ext cx="9858375" cy="2674441"/>
           </a:xfrm>
         </p:spPr>
         <p:txBody>
           <a:bodyPr anchor="b"/>
           <a:lstStyle>
             <a:lvl1pPr>
-              <a:defRPr sz="6000"/>
+              <a:defRPr sz="5625"/>
             </a:lvl1pPr>
           </a:lstStyle>
           <a:p>
@@ -982,18 +869,13 @@
               <a:rPr lang="en-US"/>
               <a:t>Click to edit Master title style</a:t>
             </a:r>
-          </a:p>
-        </p:txBody>
-      </p:sp>
-      <p:sp>
-        <p:nvSpPr>
-          <p:cNvPr id="3" name="Text Placeholder 2">
-            <a:extLst>
-              <a:ext uri="{FF2B5EF4-FFF2-40B4-BE49-F238E27FC236}">
-                <a16:creationId xmlns:a16="http://schemas.microsoft.com/office/drawing/2014/main" id="{086380E5-9927-408F-946C-13631DA26B35}"/>
-              </a:ext>
-            </a:extLst>
-          </p:cNvPr>
+            <a:endParaRPr lang="en-US" dirty="0"/>
+          </a:p>
+        </p:txBody>
+      </p:sp>
+      <p:sp>
+        <p:nvSpPr>
+          <p:cNvPr id="3" name="Text Placeholder 2"/>
           <p:cNvSpPr>
             <a:spLocks noGrp="1"/>
           </p:cNvSpPr>
@@ -1003,8 +885,8 @@
         </p:nvSpPr>
         <p:spPr>
           <a:xfrm>
-            <a:off x="831850" y="4589463"/>
-            <a:ext cx="10515600" cy="1500187"/>
+            <a:off x="779859" y="4302622"/>
+            <a:ext cx="9858375" cy="1406425"/>
           </a:xfrm>
         </p:spPr>
         <p:txBody>
@@ -1012,7 +894,7 @@
           <a:lstStyle>
             <a:lvl1pPr marL="0" indent="0">
               <a:buNone/>
-              <a:defRPr sz="2400">
+              <a:defRPr sz="2250">
                 <a:solidFill>
                   <a:schemeClr val="tx1">
                     <a:tint val="75000"/>
@@ -1020,9 +902,9 @@
                 </a:solidFill>
               </a:defRPr>
             </a:lvl1pPr>
-            <a:lvl2pPr marL="457200" indent="0">
-              <a:buNone/>
-              <a:defRPr sz="2000">
+            <a:lvl2pPr marL="428625" indent="0">
+              <a:buNone/>
+              <a:defRPr sz="1875">
                 <a:solidFill>
                   <a:schemeClr val="tx1">
                     <a:tint val="75000"/>
@@ -1030,9 +912,9 @@
                 </a:solidFill>
               </a:defRPr>
             </a:lvl2pPr>
-            <a:lvl3pPr marL="914400" indent="0">
-              <a:buNone/>
-              <a:defRPr sz="1800">
+            <a:lvl3pPr marL="857250" indent="0">
+              <a:buNone/>
+              <a:defRPr sz="1688">
                 <a:solidFill>
                   <a:schemeClr val="tx1">
                     <a:tint val="75000"/>
@@ -1040,9 +922,9 @@
                 </a:solidFill>
               </a:defRPr>
             </a:lvl3pPr>
-            <a:lvl4pPr marL="1371600" indent="0">
-              <a:buNone/>
-              <a:defRPr sz="1600">
+            <a:lvl4pPr marL="1285875" indent="0">
+              <a:buNone/>
+              <a:defRPr sz="1500">
                 <a:solidFill>
                   <a:schemeClr val="tx1">
                     <a:tint val="75000"/>
@@ -1050,9 +932,9 @@
                 </a:solidFill>
               </a:defRPr>
             </a:lvl4pPr>
-            <a:lvl5pPr marL="1828800" indent="0">
-              <a:buNone/>
-              <a:defRPr sz="1600">
+            <a:lvl5pPr marL="1714500" indent="0">
+              <a:buNone/>
+              <a:defRPr sz="1500">
                 <a:solidFill>
                   <a:schemeClr val="tx1">
                     <a:tint val="75000"/>
@@ -1060,9 +942,9 @@
                 </a:solidFill>
               </a:defRPr>
             </a:lvl5pPr>
-            <a:lvl6pPr marL="2286000" indent="0">
-              <a:buNone/>
-              <a:defRPr sz="1600">
+            <a:lvl6pPr marL="2143125" indent="0">
+              <a:buNone/>
+              <a:defRPr sz="1500">
                 <a:solidFill>
                   <a:schemeClr val="tx1">
                     <a:tint val="75000"/>
@@ -1070,9 +952,9 @@
                 </a:solidFill>
               </a:defRPr>
             </a:lvl6pPr>
-            <a:lvl7pPr marL="2743200" indent="0">
-              <a:buNone/>
-              <a:defRPr sz="1600">
+            <a:lvl7pPr marL="2571750" indent="0">
+              <a:buNone/>
+              <a:defRPr sz="1500">
                 <a:solidFill>
                   <a:schemeClr val="tx1">
                     <a:tint val="75000"/>
@@ -1080,9 +962,9 @@
                 </a:solidFill>
               </a:defRPr>
             </a:lvl7pPr>
-            <a:lvl8pPr marL="3200400" indent="0">
-              <a:buNone/>
-              <a:defRPr sz="1600">
+            <a:lvl8pPr marL="3000375" indent="0">
+              <a:buNone/>
+              <a:defRPr sz="1500">
                 <a:solidFill>
                   <a:schemeClr val="tx1">
                     <a:tint val="75000"/>
@@ -1090,9 +972,9 @@
                 </a:solidFill>
               </a:defRPr>
             </a:lvl8pPr>
-            <a:lvl9pPr marL="3657600" indent="0">
-              <a:buNone/>
-              <a:defRPr sz="1600">
+            <a:lvl9pPr marL="3429000" indent="0">
+              <a:buNone/>
+              <a:defRPr sz="1500">
                 <a:solidFill>
                   <a:schemeClr val="tx1">
                     <a:tint val="75000"/>
@@ -1112,13 +994,7 @@
       </p:sp>
       <p:sp>
         <p:nvSpPr>
-          <p:cNvPr id="4" name="Date Placeholder 3">
-            <a:extLst>
-              <a:ext uri="{FF2B5EF4-FFF2-40B4-BE49-F238E27FC236}">
-                <a16:creationId xmlns:a16="http://schemas.microsoft.com/office/drawing/2014/main" id="{D677BF86-46E4-4EFB-8317-B92B714F6EDB}"/>
-              </a:ext>
-            </a:extLst>
-          </p:cNvPr>
+          <p:cNvPr id="4" name="Date Placeholder 3"/>
           <p:cNvSpPr>
             <a:spLocks noGrp="1"/>
           </p:cNvSpPr>
@@ -1133,7 +1009,7 @@
           <a:p>
             <a:fld id="{A7241F81-3603-4DB5-9239-49014A35A5A8}" type="datetimeFigureOut">
               <a:rPr lang="en-US" smtClean="0"/>
-              <a:t>4/27/2018</a:t>
+              <a:t>6/5/2018</a:t>
             </a:fld>
             <a:endParaRPr lang="en-US"/>
           </a:p>
@@ -1141,13 +1017,7 @@
       </p:sp>
       <p:sp>
         <p:nvSpPr>
-          <p:cNvPr id="5" name="Footer Placeholder 4">
-            <a:extLst>
-              <a:ext uri="{FF2B5EF4-FFF2-40B4-BE49-F238E27FC236}">
-                <a16:creationId xmlns:a16="http://schemas.microsoft.com/office/drawing/2014/main" id="{99D5CF54-639A-419D-9777-26A1D995527D}"/>
-              </a:ext>
-            </a:extLst>
-          </p:cNvPr>
+          <p:cNvPr id="5" name="Footer Placeholder 4"/>
           <p:cNvSpPr>
             <a:spLocks noGrp="1"/>
           </p:cNvSpPr>
@@ -1166,13 +1036,7 @@
       </p:sp>
       <p:sp>
         <p:nvSpPr>
-          <p:cNvPr id="6" name="Slide Number Placeholder 5">
-            <a:extLst>
-              <a:ext uri="{FF2B5EF4-FFF2-40B4-BE49-F238E27FC236}">
-                <a16:creationId xmlns:a16="http://schemas.microsoft.com/office/drawing/2014/main" id="{1578FC22-C3FE-4684-ADD4-D4E0F07F9016}"/>
-              </a:ext>
-            </a:extLst>
-          </p:cNvPr>
+          <p:cNvPr id="6" name="Slide Number Placeholder 5"/>
           <p:cNvSpPr>
             <a:spLocks noGrp="1"/>
           </p:cNvSpPr>
@@ -1196,7 +1060,7 @@
     </p:spTree>
     <p:extLst>
       <p:ext uri="{BB962C8B-B14F-4D97-AF65-F5344CB8AC3E}">
-        <p14:creationId xmlns:p14="http://schemas.microsoft.com/office/powerpoint/2010/main" val="3281842242"/>
+        <p14:creationId xmlns:p14="http://schemas.microsoft.com/office/powerpoint/2010/main" val="3299573256"/>
       </p:ext>
     </p:extLst>
   </p:cSld>
@@ -1225,13 +1089,7 @@
       </p:grpSpPr>
       <p:sp>
         <p:nvSpPr>
-          <p:cNvPr id="2" name="Title 1">
-            <a:extLst>
-              <a:ext uri="{FF2B5EF4-FFF2-40B4-BE49-F238E27FC236}">
-                <a16:creationId xmlns:a16="http://schemas.microsoft.com/office/drawing/2014/main" id="{403429EF-D173-4BFC-A4EA-95220DC7F856}"/>
-              </a:ext>
-            </a:extLst>
-          </p:cNvPr>
+          <p:cNvPr id="2" name="Title 1"/>
           <p:cNvSpPr>
             <a:spLocks noGrp="1"/>
           </p:cNvSpPr>
@@ -1248,18 +1106,13 @@
               <a:rPr lang="en-US"/>
               <a:t>Click to edit Master title style</a:t>
             </a:r>
-          </a:p>
-        </p:txBody>
-      </p:sp>
-      <p:sp>
-        <p:nvSpPr>
-          <p:cNvPr id="3" name="Content Placeholder 2">
-            <a:extLst>
-              <a:ext uri="{FF2B5EF4-FFF2-40B4-BE49-F238E27FC236}">
-                <a16:creationId xmlns:a16="http://schemas.microsoft.com/office/drawing/2014/main" id="{EC91DF95-D090-43A8-951F-D1C3BAE6AF56}"/>
-              </a:ext>
-            </a:extLst>
-          </p:cNvPr>
+            <a:endParaRPr lang="en-US" dirty="0"/>
+          </a:p>
+        </p:txBody>
+      </p:sp>
+      <p:sp>
+        <p:nvSpPr>
+          <p:cNvPr id="3" name="Content Placeholder 2"/>
           <p:cNvSpPr>
             <a:spLocks noGrp="1"/>
           </p:cNvSpPr>
@@ -1269,8 +1122,8 @@
         </p:nvSpPr>
         <p:spPr>
           <a:xfrm>
-            <a:off x="838200" y="1825625"/>
-            <a:ext cx="5181600" cy="4351338"/>
+            <a:off x="785813" y="1711524"/>
+            <a:ext cx="4857750" cy="4079379"/>
           </a:xfrm>
         </p:spPr>
         <p:txBody>
@@ -1310,18 +1163,13 @@
               <a:rPr lang="en-US"/>
               <a:t>Fifth level</a:t>
             </a:r>
-          </a:p>
-        </p:txBody>
-      </p:sp>
-      <p:sp>
-        <p:nvSpPr>
-          <p:cNvPr id="4" name="Content Placeholder 3">
-            <a:extLst>
-              <a:ext uri="{FF2B5EF4-FFF2-40B4-BE49-F238E27FC236}">
-                <a16:creationId xmlns:a16="http://schemas.microsoft.com/office/drawing/2014/main" id="{81FCFFBB-59D5-43EB-96EE-8FC1D23C2148}"/>
-              </a:ext>
-            </a:extLst>
-          </p:cNvPr>
+            <a:endParaRPr lang="en-US" dirty="0"/>
+          </a:p>
+        </p:txBody>
+      </p:sp>
+      <p:sp>
+        <p:nvSpPr>
+          <p:cNvPr id="4" name="Content Placeholder 3"/>
           <p:cNvSpPr>
             <a:spLocks noGrp="1"/>
           </p:cNvSpPr>
@@ -1331,8 +1179,8 @@
         </p:nvSpPr>
         <p:spPr>
           <a:xfrm>
-            <a:off x="6172200" y="1825625"/>
-            <a:ext cx="5181600" cy="4351338"/>
+            <a:off x="5786438" y="1711524"/>
+            <a:ext cx="4857750" cy="4079379"/>
           </a:xfrm>
         </p:spPr>
         <p:txBody>
@@ -1372,18 +1220,13 @@
               <a:rPr lang="en-US"/>
               <a:t>Fifth level</a:t>
             </a:r>
-          </a:p>
-        </p:txBody>
-      </p:sp>
-      <p:sp>
-        <p:nvSpPr>
-          <p:cNvPr id="5" name="Date Placeholder 4">
-            <a:extLst>
-              <a:ext uri="{FF2B5EF4-FFF2-40B4-BE49-F238E27FC236}">
-                <a16:creationId xmlns:a16="http://schemas.microsoft.com/office/drawing/2014/main" id="{6A5B539D-8008-4557-8560-EE9D8637EFE8}"/>
-              </a:ext>
-            </a:extLst>
-          </p:cNvPr>
+            <a:endParaRPr lang="en-US" dirty="0"/>
+          </a:p>
+        </p:txBody>
+      </p:sp>
+      <p:sp>
+        <p:nvSpPr>
+          <p:cNvPr id="5" name="Date Placeholder 4"/>
           <p:cNvSpPr>
             <a:spLocks noGrp="1"/>
           </p:cNvSpPr>
@@ -1398,7 +1241,7 @@
           <a:p>
             <a:fld id="{A7241F81-3603-4DB5-9239-49014A35A5A8}" type="datetimeFigureOut">
               <a:rPr lang="en-US" smtClean="0"/>
-              <a:t>4/27/2018</a:t>
+              <a:t>6/5/2018</a:t>
             </a:fld>
             <a:endParaRPr lang="en-US"/>
           </a:p>
@@ -1406,13 +1249,7 @@
       </p:sp>
       <p:sp>
         <p:nvSpPr>
-          <p:cNvPr id="6" name="Footer Placeholder 5">
-            <a:extLst>
-              <a:ext uri="{FF2B5EF4-FFF2-40B4-BE49-F238E27FC236}">
-                <a16:creationId xmlns:a16="http://schemas.microsoft.com/office/drawing/2014/main" id="{805FC586-923B-4AFC-BE7B-6C1384A25C6D}"/>
-              </a:ext>
-            </a:extLst>
-          </p:cNvPr>
+          <p:cNvPr id="6" name="Footer Placeholder 5"/>
           <p:cNvSpPr>
             <a:spLocks noGrp="1"/>
           </p:cNvSpPr>
@@ -1431,13 +1268,7 @@
       </p:sp>
       <p:sp>
         <p:nvSpPr>
-          <p:cNvPr id="7" name="Slide Number Placeholder 6">
-            <a:extLst>
-              <a:ext uri="{FF2B5EF4-FFF2-40B4-BE49-F238E27FC236}">
-                <a16:creationId xmlns:a16="http://schemas.microsoft.com/office/drawing/2014/main" id="{9207F160-DF73-47F9-A78C-D688A08A4820}"/>
-              </a:ext>
-            </a:extLst>
-          </p:cNvPr>
+          <p:cNvPr id="7" name="Slide Number Placeholder 6"/>
           <p:cNvSpPr>
             <a:spLocks noGrp="1"/>
           </p:cNvSpPr>
@@ -1461,7 +1292,7 @@
     </p:spTree>
     <p:extLst>
       <p:ext uri="{BB962C8B-B14F-4D97-AF65-F5344CB8AC3E}">
-        <p14:creationId xmlns:p14="http://schemas.microsoft.com/office/powerpoint/2010/main" val="3454222206"/>
+        <p14:creationId xmlns:p14="http://schemas.microsoft.com/office/powerpoint/2010/main" val="2719890935"/>
       </p:ext>
     </p:extLst>
   </p:cSld>
@@ -1490,13 +1321,7 @@
       </p:grpSpPr>
       <p:sp>
         <p:nvSpPr>
-          <p:cNvPr id="2" name="Title 1">
-            <a:extLst>
-              <a:ext uri="{FF2B5EF4-FFF2-40B4-BE49-F238E27FC236}">
-                <a16:creationId xmlns:a16="http://schemas.microsoft.com/office/drawing/2014/main" id="{475731D6-EBDE-44B8-8468-2C27C8A69780}"/>
-              </a:ext>
-            </a:extLst>
-          </p:cNvPr>
+          <p:cNvPr id="2" name="Title 1"/>
           <p:cNvSpPr>
             <a:spLocks noGrp="1"/>
           </p:cNvSpPr>
@@ -1506,8 +1331,8 @@
         </p:nvSpPr>
         <p:spPr>
           <a:xfrm>
-            <a:off x="839788" y="365125"/>
-            <a:ext cx="10515600" cy="1325563"/>
+            <a:off x="787301" y="342305"/>
+            <a:ext cx="9858375" cy="1242715"/>
           </a:xfrm>
         </p:spPr>
         <p:txBody>
@@ -1518,18 +1343,13 @@
               <a:rPr lang="en-US"/>
               <a:t>Click to edit Master title style</a:t>
             </a:r>
-          </a:p>
-        </p:txBody>
-      </p:sp>
-      <p:sp>
-        <p:nvSpPr>
-          <p:cNvPr id="3" name="Text Placeholder 2">
-            <a:extLst>
-              <a:ext uri="{FF2B5EF4-FFF2-40B4-BE49-F238E27FC236}">
-                <a16:creationId xmlns:a16="http://schemas.microsoft.com/office/drawing/2014/main" id="{1F556E5F-ECC3-47C4-9DC5-9D1DF760634A}"/>
-              </a:ext>
-            </a:extLst>
-          </p:cNvPr>
+            <a:endParaRPr lang="en-US" dirty="0"/>
+          </a:p>
+        </p:txBody>
+      </p:sp>
+      <p:sp>
+        <p:nvSpPr>
+          <p:cNvPr id="3" name="Text Placeholder 2"/>
           <p:cNvSpPr>
             <a:spLocks noGrp="1"/>
           </p:cNvSpPr>
@@ -1539,8 +1359,8 @@
         </p:nvSpPr>
         <p:spPr>
           <a:xfrm>
-            <a:off x="839788" y="1681163"/>
-            <a:ext cx="5157787" cy="823912"/>
+            <a:off x="787302" y="1576090"/>
+            <a:ext cx="4835425" cy="772418"/>
           </a:xfrm>
         </p:spPr>
         <p:txBody>
@@ -1548,39 +1368,39 @@
           <a:lstStyle>
             <a:lvl1pPr marL="0" indent="0">
               <a:buNone/>
-              <a:defRPr sz="2400" b="1"/>
+              <a:defRPr sz="2250" b="1"/>
             </a:lvl1pPr>
-            <a:lvl2pPr marL="457200" indent="0">
-              <a:buNone/>
-              <a:defRPr sz="2000" b="1"/>
+            <a:lvl2pPr marL="428625" indent="0">
+              <a:buNone/>
+              <a:defRPr sz="1875" b="1"/>
             </a:lvl2pPr>
-            <a:lvl3pPr marL="914400" indent="0">
-              <a:buNone/>
-              <a:defRPr sz="1800" b="1"/>
+            <a:lvl3pPr marL="857250" indent="0">
+              <a:buNone/>
+              <a:defRPr sz="1688" b="1"/>
             </a:lvl3pPr>
-            <a:lvl4pPr marL="1371600" indent="0">
-              <a:buNone/>
-              <a:defRPr sz="1600" b="1"/>
+            <a:lvl4pPr marL="1285875" indent="0">
+              <a:buNone/>
+              <a:defRPr sz="1500" b="1"/>
             </a:lvl4pPr>
-            <a:lvl5pPr marL="1828800" indent="0">
-              <a:buNone/>
-              <a:defRPr sz="1600" b="1"/>
+            <a:lvl5pPr marL="1714500" indent="0">
+              <a:buNone/>
+              <a:defRPr sz="1500" b="1"/>
             </a:lvl5pPr>
-            <a:lvl6pPr marL="2286000" indent="0">
-              <a:buNone/>
-              <a:defRPr sz="1600" b="1"/>
+            <a:lvl6pPr marL="2143125" indent="0">
+              <a:buNone/>
+              <a:defRPr sz="1500" b="1"/>
             </a:lvl6pPr>
-            <a:lvl7pPr marL="2743200" indent="0">
-              <a:buNone/>
-              <a:defRPr sz="1600" b="1"/>
+            <a:lvl7pPr marL="2571750" indent="0">
+              <a:buNone/>
+              <a:defRPr sz="1500" b="1"/>
             </a:lvl7pPr>
-            <a:lvl8pPr marL="3200400" indent="0">
-              <a:buNone/>
-              <a:defRPr sz="1600" b="1"/>
+            <a:lvl8pPr marL="3000375" indent="0">
+              <a:buNone/>
+              <a:defRPr sz="1500" b="1"/>
             </a:lvl8pPr>
-            <a:lvl9pPr marL="3657600" indent="0">
-              <a:buNone/>
-              <a:defRPr sz="1600" b="1"/>
+            <a:lvl9pPr marL="3429000" indent="0">
+              <a:buNone/>
+              <a:defRPr sz="1500" b="1"/>
             </a:lvl9pPr>
           </a:lstStyle>
           <a:p>
@@ -1594,13 +1414,7 @@
       </p:sp>
       <p:sp>
         <p:nvSpPr>
-          <p:cNvPr id="4" name="Content Placeholder 3">
-            <a:extLst>
-              <a:ext uri="{FF2B5EF4-FFF2-40B4-BE49-F238E27FC236}">
-                <a16:creationId xmlns:a16="http://schemas.microsoft.com/office/drawing/2014/main" id="{2802751D-6E2B-4724-868A-FC3518DC2536}"/>
-              </a:ext>
-            </a:extLst>
-          </p:cNvPr>
+          <p:cNvPr id="4" name="Content Placeholder 3"/>
           <p:cNvSpPr>
             <a:spLocks noGrp="1"/>
           </p:cNvSpPr>
@@ -1610,8 +1424,8 @@
         </p:nvSpPr>
         <p:spPr>
           <a:xfrm>
-            <a:off x="839788" y="2505075"/>
-            <a:ext cx="5157787" cy="3684588"/>
+            <a:off x="787302" y="2348508"/>
+            <a:ext cx="4835425" cy="3454301"/>
           </a:xfrm>
         </p:spPr>
         <p:txBody>
@@ -1651,18 +1465,13 @@
               <a:rPr lang="en-US"/>
               <a:t>Fifth level</a:t>
             </a:r>
-          </a:p>
-        </p:txBody>
-      </p:sp>
-      <p:sp>
-        <p:nvSpPr>
-          <p:cNvPr id="5" name="Text Placeholder 4">
-            <a:extLst>
-              <a:ext uri="{FF2B5EF4-FFF2-40B4-BE49-F238E27FC236}">
-                <a16:creationId xmlns:a16="http://schemas.microsoft.com/office/drawing/2014/main" id="{7F57CEF1-5A84-485B-915E-86EDE8FCF3C2}"/>
-              </a:ext>
-            </a:extLst>
-          </p:cNvPr>
+            <a:endParaRPr lang="en-US" dirty="0"/>
+          </a:p>
+        </p:txBody>
+      </p:sp>
+      <p:sp>
+        <p:nvSpPr>
+          <p:cNvPr id="5" name="Text Placeholder 4"/>
           <p:cNvSpPr>
             <a:spLocks noGrp="1"/>
           </p:cNvSpPr>
@@ -1672,8 +1481,8 @@
         </p:nvSpPr>
         <p:spPr>
           <a:xfrm>
-            <a:off x="6172200" y="1681163"/>
-            <a:ext cx="5183188" cy="823912"/>
+            <a:off x="5786437" y="1576090"/>
+            <a:ext cx="4859239" cy="772418"/>
           </a:xfrm>
         </p:spPr>
         <p:txBody>
@@ -1681,39 +1490,39 @@
           <a:lstStyle>
             <a:lvl1pPr marL="0" indent="0">
               <a:buNone/>
-              <a:defRPr sz="2400" b="1"/>
+              <a:defRPr sz="2250" b="1"/>
             </a:lvl1pPr>
-            <a:lvl2pPr marL="457200" indent="0">
-              <a:buNone/>
-              <a:defRPr sz="2000" b="1"/>
+            <a:lvl2pPr marL="428625" indent="0">
+              <a:buNone/>
+              <a:defRPr sz="1875" b="1"/>
             </a:lvl2pPr>
-            <a:lvl3pPr marL="914400" indent="0">
-              <a:buNone/>
-              <a:defRPr sz="1800" b="1"/>
+            <a:lvl3pPr marL="857250" indent="0">
+              <a:buNone/>
+              <a:defRPr sz="1688" b="1"/>
             </a:lvl3pPr>
-            <a:lvl4pPr marL="1371600" indent="0">
-              <a:buNone/>
-              <a:defRPr sz="1600" b="1"/>
+            <a:lvl4pPr marL="1285875" indent="0">
+              <a:buNone/>
+              <a:defRPr sz="1500" b="1"/>
             </a:lvl4pPr>
-            <a:lvl5pPr marL="1828800" indent="0">
-              <a:buNone/>
-              <a:defRPr sz="1600" b="1"/>
+            <a:lvl5pPr marL="1714500" indent="0">
+              <a:buNone/>
+              <a:defRPr sz="1500" b="1"/>
             </a:lvl5pPr>
-            <a:lvl6pPr marL="2286000" indent="0">
-              <a:buNone/>
-              <a:defRPr sz="1600" b="1"/>
+            <a:lvl6pPr marL="2143125" indent="0">
+              <a:buNone/>
+              <a:defRPr sz="1500" b="1"/>
             </a:lvl6pPr>
-            <a:lvl7pPr marL="2743200" indent="0">
-              <a:buNone/>
-              <a:defRPr sz="1600" b="1"/>
+            <a:lvl7pPr marL="2571750" indent="0">
+              <a:buNone/>
+              <a:defRPr sz="1500" b="1"/>
             </a:lvl7pPr>
-            <a:lvl8pPr marL="3200400" indent="0">
-              <a:buNone/>
-              <a:defRPr sz="1600" b="1"/>
+            <a:lvl8pPr marL="3000375" indent="0">
+              <a:buNone/>
+              <a:defRPr sz="1500" b="1"/>
             </a:lvl8pPr>
-            <a:lvl9pPr marL="3657600" indent="0">
-              <a:buNone/>
-              <a:defRPr sz="1600" b="1"/>
+            <a:lvl9pPr marL="3429000" indent="0">
+              <a:buNone/>
+              <a:defRPr sz="1500" b="1"/>
             </a:lvl9pPr>
           </a:lstStyle>
           <a:p>
@@ -1727,13 +1536,7 @@
       </p:sp>
       <p:sp>
         <p:nvSpPr>
-          <p:cNvPr id="6" name="Content Placeholder 5">
-            <a:extLst>
-              <a:ext uri="{FF2B5EF4-FFF2-40B4-BE49-F238E27FC236}">
-                <a16:creationId xmlns:a16="http://schemas.microsoft.com/office/drawing/2014/main" id="{8F0F4D52-C9DF-4B1F-B372-8C748D5ED9ED}"/>
-              </a:ext>
-            </a:extLst>
-          </p:cNvPr>
+          <p:cNvPr id="6" name="Content Placeholder 5"/>
           <p:cNvSpPr>
             <a:spLocks noGrp="1"/>
           </p:cNvSpPr>
@@ -1743,8 +1546,8 @@
         </p:nvSpPr>
         <p:spPr>
           <a:xfrm>
-            <a:off x="6172200" y="2505075"/>
-            <a:ext cx="5183188" cy="3684588"/>
+            <a:off x="5786437" y="2348508"/>
+            <a:ext cx="4859239" cy="3454301"/>
           </a:xfrm>
         </p:spPr>
         <p:txBody>
@@ -1784,18 +1587,13 @@
               <a:rPr lang="en-US"/>
               <a:t>Fifth level</a:t>
             </a:r>
-          </a:p>
-        </p:txBody>
-      </p:sp>
-      <p:sp>
-        <p:nvSpPr>
-          <p:cNvPr id="7" name="Date Placeholder 6">
-            <a:extLst>
-              <a:ext uri="{FF2B5EF4-FFF2-40B4-BE49-F238E27FC236}">
-                <a16:creationId xmlns:a16="http://schemas.microsoft.com/office/drawing/2014/main" id="{99DFC101-A7CE-49EA-94E2-D4323F628C34}"/>
-              </a:ext>
-            </a:extLst>
-          </p:cNvPr>
+            <a:endParaRPr lang="en-US" dirty="0"/>
+          </a:p>
+        </p:txBody>
+      </p:sp>
+      <p:sp>
+        <p:nvSpPr>
+          <p:cNvPr id="7" name="Date Placeholder 6"/>
           <p:cNvSpPr>
             <a:spLocks noGrp="1"/>
           </p:cNvSpPr>
@@ -1810,7 +1608,7 @@
           <a:p>
             <a:fld id="{A7241F81-3603-4DB5-9239-49014A35A5A8}" type="datetimeFigureOut">
               <a:rPr lang="en-US" smtClean="0"/>
-              <a:t>4/27/2018</a:t>
+              <a:t>6/5/2018</a:t>
             </a:fld>
             <a:endParaRPr lang="en-US"/>
           </a:p>
@@ -1818,13 +1616,7 @@
       </p:sp>
       <p:sp>
         <p:nvSpPr>
-          <p:cNvPr id="8" name="Footer Placeholder 7">
-            <a:extLst>
-              <a:ext uri="{FF2B5EF4-FFF2-40B4-BE49-F238E27FC236}">
-                <a16:creationId xmlns:a16="http://schemas.microsoft.com/office/drawing/2014/main" id="{ADA5784A-0729-40F0-A645-FA56130C1E2F}"/>
-              </a:ext>
-            </a:extLst>
-          </p:cNvPr>
+          <p:cNvPr id="8" name="Footer Placeholder 7"/>
           <p:cNvSpPr>
             <a:spLocks noGrp="1"/>
           </p:cNvSpPr>
@@ -1843,13 +1635,7 @@
       </p:sp>
       <p:sp>
         <p:nvSpPr>
-          <p:cNvPr id="9" name="Slide Number Placeholder 8">
-            <a:extLst>
-              <a:ext uri="{FF2B5EF4-FFF2-40B4-BE49-F238E27FC236}">
-                <a16:creationId xmlns:a16="http://schemas.microsoft.com/office/drawing/2014/main" id="{ADC73DD5-C813-4287-A1D4-74D3C129D3F2}"/>
-              </a:ext>
-            </a:extLst>
-          </p:cNvPr>
+          <p:cNvPr id="9" name="Slide Number Placeholder 8"/>
           <p:cNvSpPr>
             <a:spLocks noGrp="1"/>
           </p:cNvSpPr>
@@ -1873,7 +1659,7 @@
     </p:spTree>
     <p:extLst>
       <p:ext uri="{BB962C8B-B14F-4D97-AF65-F5344CB8AC3E}">
-        <p14:creationId xmlns:p14="http://schemas.microsoft.com/office/powerpoint/2010/main" val="3916348998"/>
+        <p14:creationId xmlns:p14="http://schemas.microsoft.com/office/powerpoint/2010/main" val="2332759241"/>
       </p:ext>
     </p:extLst>
   </p:cSld>
@@ -1902,13 +1688,7 @@
       </p:grpSpPr>
       <p:sp>
         <p:nvSpPr>
-          <p:cNvPr id="2" name="Title 1">
-            <a:extLst>
-              <a:ext uri="{FF2B5EF4-FFF2-40B4-BE49-F238E27FC236}">
-                <a16:creationId xmlns:a16="http://schemas.microsoft.com/office/drawing/2014/main" id="{6C1D9281-B6AE-44B0-B0BE-EFFAF7409F5A}"/>
-              </a:ext>
-            </a:extLst>
-          </p:cNvPr>
+          <p:cNvPr id="2" name="Title 1"/>
           <p:cNvSpPr>
             <a:spLocks noGrp="1"/>
           </p:cNvSpPr>
@@ -1925,18 +1705,13 @@
               <a:rPr lang="en-US"/>
               <a:t>Click to edit Master title style</a:t>
             </a:r>
-          </a:p>
-        </p:txBody>
-      </p:sp>
-      <p:sp>
-        <p:nvSpPr>
-          <p:cNvPr id="3" name="Date Placeholder 2">
-            <a:extLst>
-              <a:ext uri="{FF2B5EF4-FFF2-40B4-BE49-F238E27FC236}">
-                <a16:creationId xmlns:a16="http://schemas.microsoft.com/office/drawing/2014/main" id="{D6A77E63-B0FD-4459-ABAD-065976947276}"/>
-              </a:ext>
-            </a:extLst>
-          </p:cNvPr>
+            <a:endParaRPr lang="en-US" dirty="0"/>
+          </a:p>
+        </p:txBody>
+      </p:sp>
+      <p:sp>
+        <p:nvSpPr>
+          <p:cNvPr id="3" name="Date Placeholder 2"/>
           <p:cNvSpPr>
             <a:spLocks noGrp="1"/>
           </p:cNvSpPr>
@@ -1951,7 +1726,7 @@
           <a:p>
             <a:fld id="{A7241F81-3603-4DB5-9239-49014A35A5A8}" type="datetimeFigureOut">
               <a:rPr lang="en-US" smtClean="0"/>
-              <a:t>4/27/2018</a:t>
+              <a:t>6/5/2018</a:t>
             </a:fld>
             <a:endParaRPr lang="en-US"/>
           </a:p>
@@ -1959,13 +1734,7 @@
       </p:sp>
       <p:sp>
         <p:nvSpPr>
-          <p:cNvPr id="4" name="Footer Placeholder 3">
-            <a:extLst>
-              <a:ext uri="{FF2B5EF4-FFF2-40B4-BE49-F238E27FC236}">
-                <a16:creationId xmlns:a16="http://schemas.microsoft.com/office/drawing/2014/main" id="{8BD284EC-ACA9-4764-A7F6-7D2E58CD3865}"/>
-              </a:ext>
-            </a:extLst>
-          </p:cNvPr>
+          <p:cNvPr id="4" name="Footer Placeholder 3"/>
           <p:cNvSpPr>
             <a:spLocks noGrp="1"/>
           </p:cNvSpPr>
@@ -1984,13 +1753,7 @@
       </p:sp>
       <p:sp>
         <p:nvSpPr>
-          <p:cNvPr id="5" name="Slide Number Placeholder 4">
-            <a:extLst>
-              <a:ext uri="{FF2B5EF4-FFF2-40B4-BE49-F238E27FC236}">
-                <a16:creationId xmlns:a16="http://schemas.microsoft.com/office/drawing/2014/main" id="{D52790EE-3D82-4E25-A868-CA165EC92548}"/>
-              </a:ext>
-            </a:extLst>
-          </p:cNvPr>
+          <p:cNvPr id="5" name="Slide Number Placeholder 4"/>
           <p:cNvSpPr>
             <a:spLocks noGrp="1"/>
           </p:cNvSpPr>
@@ -2014,7 +1777,7 @@
     </p:spTree>
     <p:extLst>
       <p:ext uri="{BB962C8B-B14F-4D97-AF65-F5344CB8AC3E}">
-        <p14:creationId xmlns:p14="http://schemas.microsoft.com/office/powerpoint/2010/main" val="1237623658"/>
+        <p14:creationId xmlns:p14="http://schemas.microsoft.com/office/powerpoint/2010/main" val="4020926085"/>
       </p:ext>
     </p:extLst>
   </p:cSld>
@@ -2043,13 +1806,7 @@
       </p:grpSpPr>
       <p:sp>
         <p:nvSpPr>
-          <p:cNvPr id="2" name="Date Placeholder 1">
-            <a:extLst>
-              <a:ext uri="{FF2B5EF4-FFF2-40B4-BE49-F238E27FC236}">
-                <a16:creationId xmlns:a16="http://schemas.microsoft.com/office/drawing/2014/main" id="{E519C14C-5447-4F94-932D-48722B0A6588}"/>
-              </a:ext>
-            </a:extLst>
-          </p:cNvPr>
+          <p:cNvPr id="2" name="Date Placeholder 1"/>
           <p:cNvSpPr>
             <a:spLocks noGrp="1"/>
           </p:cNvSpPr>
@@ -2064,7 +1821,7 @@
           <a:p>
             <a:fld id="{A7241F81-3603-4DB5-9239-49014A35A5A8}" type="datetimeFigureOut">
               <a:rPr lang="en-US" smtClean="0"/>
-              <a:t>4/27/2018</a:t>
+              <a:t>6/5/2018</a:t>
             </a:fld>
             <a:endParaRPr lang="en-US"/>
           </a:p>
@@ -2072,13 +1829,7 @@
       </p:sp>
       <p:sp>
         <p:nvSpPr>
-          <p:cNvPr id="3" name="Footer Placeholder 2">
-            <a:extLst>
-              <a:ext uri="{FF2B5EF4-FFF2-40B4-BE49-F238E27FC236}">
-                <a16:creationId xmlns:a16="http://schemas.microsoft.com/office/drawing/2014/main" id="{23F4F32A-5EF1-4A4F-869E-F73541F264D3}"/>
-              </a:ext>
-            </a:extLst>
-          </p:cNvPr>
+          <p:cNvPr id="3" name="Footer Placeholder 2"/>
           <p:cNvSpPr>
             <a:spLocks noGrp="1"/>
           </p:cNvSpPr>
@@ -2097,13 +1848,7 @@
       </p:sp>
       <p:sp>
         <p:nvSpPr>
-          <p:cNvPr id="4" name="Slide Number Placeholder 3">
-            <a:extLst>
-              <a:ext uri="{FF2B5EF4-FFF2-40B4-BE49-F238E27FC236}">
-                <a16:creationId xmlns:a16="http://schemas.microsoft.com/office/drawing/2014/main" id="{184A6962-326C-4C78-A768-2C1D00E70211}"/>
-              </a:ext>
-            </a:extLst>
-          </p:cNvPr>
+          <p:cNvPr id="4" name="Slide Number Placeholder 3"/>
           <p:cNvSpPr>
             <a:spLocks noGrp="1"/>
           </p:cNvSpPr>
@@ -2127,7 +1872,7 @@
     </p:spTree>
     <p:extLst>
       <p:ext uri="{BB962C8B-B14F-4D97-AF65-F5344CB8AC3E}">
-        <p14:creationId xmlns:p14="http://schemas.microsoft.com/office/powerpoint/2010/main" val="479243700"/>
+        <p14:creationId xmlns:p14="http://schemas.microsoft.com/office/powerpoint/2010/main" val="4120673207"/>
       </p:ext>
     </p:extLst>
   </p:cSld>
@@ -2156,13 +1901,7 @@
       </p:grpSpPr>
       <p:sp>
         <p:nvSpPr>
-          <p:cNvPr id="2" name="Title 1">
-            <a:extLst>
-              <a:ext uri="{FF2B5EF4-FFF2-40B4-BE49-F238E27FC236}">
-                <a16:creationId xmlns:a16="http://schemas.microsoft.com/office/drawing/2014/main" id="{86234231-6336-4A8A-8A43-F8198E43F049}"/>
-              </a:ext>
-            </a:extLst>
-          </p:cNvPr>
+          <p:cNvPr id="2" name="Title 1"/>
           <p:cNvSpPr>
             <a:spLocks noGrp="1"/>
           </p:cNvSpPr>
@@ -2172,15 +1911,15 @@
         </p:nvSpPr>
         <p:spPr>
           <a:xfrm>
-            <a:off x="839788" y="457200"/>
-            <a:ext cx="3932237" cy="1600200"/>
+            <a:off x="787302" y="428625"/>
+            <a:ext cx="3686472" cy="1500188"/>
           </a:xfrm>
         </p:spPr>
         <p:txBody>
           <a:bodyPr anchor="b"/>
           <a:lstStyle>
             <a:lvl1pPr>
-              <a:defRPr sz="3200"/>
+              <a:defRPr sz="3000"/>
             </a:lvl1pPr>
           </a:lstStyle>
           <a:p>
@@ -2188,18 +1927,13 @@
               <a:rPr lang="en-US"/>
               <a:t>Click to edit Master title style</a:t>
             </a:r>
-          </a:p>
-        </p:txBody>
-      </p:sp>
-      <p:sp>
-        <p:nvSpPr>
-          <p:cNvPr id="3" name="Content Placeholder 2">
-            <a:extLst>
-              <a:ext uri="{FF2B5EF4-FFF2-40B4-BE49-F238E27FC236}">
-                <a16:creationId xmlns:a16="http://schemas.microsoft.com/office/drawing/2014/main" id="{18652264-607B-4209-B2A2-ADDDC952482A}"/>
-              </a:ext>
-            </a:extLst>
-          </p:cNvPr>
+            <a:endParaRPr lang="en-US" dirty="0"/>
+          </a:p>
+        </p:txBody>
+      </p:sp>
+      <p:sp>
+        <p:nvSpPr>
+          <p:cNvPr id="3" name="Content Placeholder 2"/>
           <p:cNvSpPr>
             <a:spLocks noGrp="1"/>
           </p:cNvSpPr>
@@ -2209,39 +1943,39 @@
         </p:nvSpPr>
         <p:spPr>
           <a:xfrm>
-            <a:off x="5183188" y="987425"/>
-            <a:ext cx="6172200" cy="4873625"/>
+            <a:off x="4859238" y="925712"/>
+            <a:ext cx="5786438" cy="4569023"/>
           </a:xfrm>
         </p:spPr>
         <p:txBody>
           <a:bodyPr/>
           <a:lstStyle>
             <a:lvl1pPr>
-              <a:defRPr sz="3200"/>
+              <a:defRPr sz="3000"/>
             </a:lvl1pPr>
             <a:lvl2pPr>
-              <a:defRPr sz="2800"/>
+              <a:defRPr sz="2625"/>
             </a:lvl2pPr>
             <a:lvl3pPr>
-              <a:defRPr sz="2400"/>
+              <a:defRPr sz="2250"/>
             </a:lvl3pPr>
             <a:lvl4pPr>
-              <a:defRPr sz="2000"/>
+              <a:defRPr sz="1875"/>
             </a:lvl4pPr>
             <a:lvl5pPr>
-              <a:defRPr sz="2000"/>
+              <a:defRPr sz="1875"/>
             </a:lvl5pPr>
             <a:lvl6pPr>
-              <a:defRPr sz="2000"/>
+              <a:defRPr sz="1875"/>
             </a:lvl6pPr>
             <a:lvl7pPr>
-              <a:defRPr sz="2000"/>
+              <a:defRPr sz="1875"/>
             </a:lvl7pPr>
             <a:lvl8pPr>
-              <a:defRPr sz="2000"/>
+              <a:defRPr sz="1875"/>
             </a:lvl8pPr>
             <a:lvl9pPr>
-              <a:defRPr sz="2000"/>
+              <a:defRPr sz="1875"/>
             </a:lvl9pPr>
           </a:lstStyle>
           <a:p>
@@ -2278,18 +2012,13 @@
               <a:rPr lang="en-US"/>
               <a:t>Fifth level</a:t>
             </a:r>
-          </a:p>
-        </p:txBody>
-      </p:sp>
-      <p:sp>
-        <p:nvSpPr>
-          <p:cNvPr id="4" name="Text Placeholder 3">
-            <a:extLst>
-              <a:ext uri="{FF2B5EF4-FFF2-40B4-BE49-F238E27FC236}">
-                <a16:creationId xmlns:a16="http://schemas.microsoft.com/office/drawing/2014/main" id="{85300DF4-49D2-45B9-903E-9A2A98D8FD8B}"/>
-              </a:ext>
-            </a:extLst>
-          </p:cNvPr>
+            <a:endParaRPr lang="en-US" dirty="0"/>
+          </a:p>
+        </p:txBody>
+      </p:sp>
+      <p:sp>
+        <p:nvSpPr>
+          <p:cNvPr id="4" name="Text Placeholder 3"/>
           <p:cNvSpPr>
             <a:spLocks noGrp="1"/>
           </p:cNvSpPr>
@@ -2299,8 +2028,8 @@
         </p:nvSpPr>
         <p:spPr>
           <a:xfrm>
-            <a:off x="839788" y="2057400"/>
-            <a:ext cx="3932237" cy="3811588"/>
+            <a:off x="787302" y="1928812"/>
+            <a:ext cx="3686472" cy="3573364"/>
           </a:xfrm>
         </p:spPr>
         <p:txBody>
@@ -2308,39 +2037,39 @@
           <a:lstStyle>
             <a:lvl1pPr marL="0" indent="0">
               <a:buNone/>
-              <a:defRPr sz="1600"/>
+              <a:defRPr sz="1500"/>
             </a:lvl1pPr>
-            <a:lvl2pPr marL="457200" indent="0">
-              <a:buNone/>
-              <a:defRPr sz="1400"/>
+            <a:lvl2pPr marL="428625" indent="0">
+              <a:buNone/>
+              <a:defRPr sz="1313"/>
             </a:lvl2pPr>
-            <a:lvl3pPr marL="914400" indent="0">
-              <a:buNone/>
-              <a:defRPr sz="1200"/>
+            <a:lvl3pPr marL="857250" indent="0">
+              <a:buNone/>
+              <a:defRPr sz="1125"/>
             </a:lvl3pPr>
-            <a:lvl4pPr marL="1371600" indent="0">
-              <a:buNone/>
-              <a:defRPr sz="1000"/>
+            <a:lvl4pPr marL="1285875" indent="0">
+              <a:buNone/>
+              <a:defRPr sz="938"/>
             </a:lvl4pPr>
-            <a:lvl5pPr marL="1828800" indent="0">
-              <a:buNone/>
-              <a:defRPr sz="1000"/>
+            <a:lvl5pPr marL="1714500" indent="0">
+              <a:buNone/>
+              <a:defRPr sz="938"/>
             </a:lvl5pPr>
-            <a:lvl6pPr marL="2286000" indent="0">
-              <a:buNone/>
-              <a:defRPr sz="1000"/>
+            <a:lvl6pPr marL="2143125" indent="0">
+              <a:buNone/>
+              <a:defRPr sz="938"/>
             </a:lvl6pPr>
-            <a:lvl7pPr marL="2743200" indent="0">
-              <a:buNone/>
-              <a:defRPr sz="1000"/>
+            <a:lvl7pPr marL="2571750" indent="0">
+              <a:buNone/>
+              <a:defRPr sz="938"/>
             </a:lvl7pPr>
-            <a:lvl8pPr marL="3200400" indent="0">
-              <a:buNone/>
-              <a:defRPr sz="1000"/>
+            <a:lvl8pPr marL="3000375" indent="0">
+              <a:buNone/>
+              <a:defRPr sz="938"/>
             </a:lvl8pPr>
-            <a:lvl9pPr marL="3657600" indent="0">
-              <a:buNone/>
-              <a:defRPr sz="1000"/>
+            <a:lvl9pPr marL="3429000" indent="0">
+              <a:buNone/>
+              <a:defRPr sz="938"/>
             </a:lvl9pPr>
           </a:lstStyle>
           <a:p>
@@ -2354,13 +2083,7 @@
       </p:sp>
       <p:sp>
         <p:nvSpPr>
-          <p:cNvPr id="5" name="Date Placeholder 4">
-            <a:extLst>
-              <a:ext uri="{FF2B5EF4-FFF2-40B4-BE49-F238E27FC236}">
-                <a16:creationId xmlns:a16="http://schemas.microsoft.com/office/drawing/2014/main" id="{5A4FA011-5864-4A6A-B523-8C7DB61DC91C}"/>
-              </a:ext>
-            </a:extLst>
-          </p:cNvPr>
+          <p:cNvPr id="5" name="Date Placeholder 4"/>
           <p:cNvSpPr>
             <a:spLocks noGrp="1"/>
           </p:cNvSpPr>
@@ -2375,7 +2098,7 @@
           <a:p>
             <a:fld id="{A7241F81-3603-4DB5-9239-49014A35A5A8}" type="datetimeFigureOut">
               <a:rPr lang="en-US" smtClean="0"/>
-              <a:t>4/27/2018</a:t>
+              <a:t>6/5/2018</a:t>
             </a:fld>
             <a:endParaRPr lang="en-US"/>
           </a:p>
@@ -2383,13 +2106,7 @@
       </p:sp>
       <p:sp>
         <p:nvSpPr>
-          <p:cNvPr id="6" name="Footer Placeholder 5">
-            <a:extLst>
-              <a:ext uri="{FF2B5EF4-FFF2-40B4-BE49-F238E27FC236}">
-                <a16:creationId xmlns:a16="http://schemas.microsoft.com/office/drawing/2014/main" id="{29EAF5A4-1F2E-4E18-A740-2AA8F96F5CFC}"/>
-              </a:ext>
-            </a:extLst>
-          </p:cNvPr>
+          <p:cNvPr id="6" name="Footer Placeholder 5"/>
           <p:cNvSpPr>
             <a:spLocks noGrp="1"/>
           </p:cNvSpPr>
@@ -2408,13 +2125,7 @@
       </p:sp>
       <p:sp>
         <p:nvSpPr>
-          <p:cNvPr id="7" name="Slide Number Placeholder 6">
-            <a:extLst>
-              <a:ext uri="{FF2B5EF4-FFF2-40B4-BE49-F238E27FC236}">
-                <a16:creationId xmlns:a16="http://schemas.microsoft.com/office/drawing/2014/main" id="{5095C6FA-8DF1-4BCE-A3D7-32C12187D58C}"/>
-              </a:ext>
-            </a:extLst>
-          </p:cNvPr>
+          <p:cNvPr id="7" name="Slide Number Placeholder 6"/>
           <p:cNvSpPr>
             <a:spLocks noGrp="1"/>
           </p:cNvSpPr>
@@ -2438,7 +2149,7 @@
     </p:spTree>
     <p:extLst>
       <p:ext uri="{BB962C8B-B14F-4D97-AF65-F5344CB8AC3E}">
-        <p14:creationId xmlns:p14="http://schemas.microsoft.com/office/powerpoint/2010/main" val="2208623564"/>
+        <p14:creationId xmlns:p14="http://schemas.microsoft.com/office/powerpoint/2010/main" val="3024051117"/>
       </p:ext>
     </p:extLst>
   </p:cSld>
@@ -2467,13 +2178,7 @@
       </p:grpSpPr>
       <p:sp>
         <p:nvSpPr>
-          <p:cNvPr id="2" name="Title 1">
-            <a:extLst>
-              <a:ext uri="{FF2B5EF4-FFF2-40B4-BE49-F238E27FC236}">
-                <a16:creationId xmlns:a16="http://schemas.microsoft.com/office/drawing/2014/main" id="{13CFDB3E-2C50-4F1D-B86E-AF963866150B}"/>
-              </a:ext>
-            </a:extLst>
-          </p:cNvPr>
+          <p:cNvPr id="2" name="Title 1"/>
           <p:cNvSpPr>
             <a:spLocks noGrp="1"/>
           </p:cNvSpPr>
@@ -2483,15 +2188,15 @@
         </p:nvSpPr>
         <p:spPr>
           <a:xfrm>
-            <a:off x="839788" y="457200"/>
-            <a:ext cx="3932237" cy="1600200"/>
+            <a:off x="787302" y="428625"/>
+            <a:ext cx="3686472" cy="1500188"/>
           </a:xfrm>
         </p:spPr>
         <p:txBody>
           <a:bodyPr anchor="b"/>
           <a:lstStyle>
             <a:lvl1pPr>
-              <a:defRPr sz="3200"/>
+              <a:defRPr sz="3000"/>
             </a:lvl1pPr>
           </a:lstStyle>
           <a:p>
@@ -2499,20 +2204,15 @@
               <a:rPr lang="en-US"/>
               <a:t>Click to edit Master title style</a:t>
             </a:r>
-          </a:p>
-        </p:txBody>
-      </p:sp>
-      <p:sp>
-        <p:nvSpPr>
-          <p:cNvPr id="3" name="Picture Placeholder 2">
-            <a:extLst>
-              <a:ext uri="{FF2B5EF4-FFF2-40B4-BE49-F238E27FC236}">
-                <a16:creationId xmlns:a16="http://schemas.microsoft.com/office/drawing/2014/main" id="{4C4A25FE-CEA5-4A01-82C5-F9084032716E}"/>
-              </a:ext>
-            </a:extLst>
-          </p:cNvPr>
-          <p:cNvSpPr>
-            <a:spLocks noGrp="1"/>
+            <a:endParaRPr lang="en-US" dirty="0"/>
+          </a:p>
+        </p:txBody>
+      </p:sp>
+      <p:sp>
+        <p:nvSpPr>
+          <p:cNvPr id="3" name="Picture Placeholder 2"/>
+          <p:cNvSpPr>
+            <a:spLocks noGrp="1" noChangeAspect="1"/>
           </p:cNvSpPr>
           <p:nvPr>
             <p:ph type="pic" idx="1"/>
@@ -2520,64 +2220,62 @@
         </p:nvSpPr>
         <p:spPr>
           <a:xfrm>
-            <a:off x="5183188" y="987425"/>
-            <a:ext cx="6172200" cy="4873625"/>
+            <a:off x="4859238" y="925712"/>
+            <a:ext cx="5786438" cy="4569023"/>
           </a:xfrm>
         </p:spPr>
         <p:txBody>
-          <a:bodyPr/>
+          <a:bodyPr anchor="t"/>
           <a:lstStyle>
             <a:lvl1pPr marL="0" indent="0">
               <a:buNone/>
-              <a:defRPr sz="3200"/>
+              <a:defRPr sz="3000"/>
             </a:lvl1pPr>
-            <a:lvl2pPr marL="457200" indent="0">
-              <a:buNone/>
-              <a:defRPr sz="2800"/>
+            <a:lvl2pPr marL="428625" indent="0">
+              <a:buNone/>
+              <a:defRPr sz="2625"/>
             </a:lvl2pPr>
-            <a:lvl3pPr marL="914400" indent="0">
-              <a:buNone/>
-              <a:defRPr sz="2400"/>
+            <a:lvl3pPr marL="857250" indent="0">
+              <a:buNone/>
+              <a:defRPr sz="2250"/>
             </a:lvl3pPr>
-            <a:lvl4pPr marL="1371600" indent="0">
-              <a:buNone/>
-              <a:defRPr sz="2000"/>
+            <a:lvl4pPr marL="1285875" indent="0">
+              <a:buNone/>
+              <a:defRPr sz="1875"/>
             </a:lvl4pPr>
-            <a:lvl5pPr marL="1828800" indent="0">
-              <a:buNone/>
-              <a:defRPr sz="2000"/>
+            <a:lvl5pPr marL="1714500" indent="0">
+              <a:buNone/>
+              <a:defRPr sz="1875"/>
             </a:lvl5pPr>
-            <a:lvl6pPr marL="2286000" indent="0">
-              <a:buNone/>
-              <a:defRPr sz="2000"/>
+            <a:lvl6pPr marL="2143125" indent="0">
+              <a:buNone/>
+              <a:defRPr sz="1875"/>
             </a:lvl6pPr>
-            <a:lvl7pPr marL="2743200" indent="0">
-              <a:buNone/>
-              <a:defRPr sz="2000"/>
+            <a:lvl7pPr marL="2571750" indent="0">
+              <a:buNone/>
+              <a:defRPr sz="1875"/>
             </a:lvl7pPr>
-            <a:lvl8pPr marL="3200400" indent="0">
-              <a:buNone/>
-              <a:defRPr sz="2000"/>
+            <a:lvl8pPr marL="3000375" indent="0">
+              <a:buNone/>
+              <a:defRPr sz="1875"/>
             </a:lvl8pPr>
-            <a:lvl9pPr marL="3657600" indent="0">
-              <a:buNone/>
-              <a:defRPr sz="2000"/>
+            <a:lvl9pPr marL="3429000" indent="0">
+              <a:buNone/>
+              <a:defRPr sz="1875"/>
             </a:lvl9pPr>
           </a:lstStyle>
           <a:p>
-            <a:endParaRPr lang="en-US"/>
-          </a:p>
-        </p:txBody>
-      </p:sp>
-      <p:sp>
-        <p:nvSpPr>
-          <p:cNvPr id="4" name="Text Placeholder 3">
-            <a:extLst>
-              <a:ext uri="{FF2B5EF4-FFF2-40B4-BE49-F238E27FC236}">
-                <a16:creationId xmlns:a16="http://schemas.microsoft.com/office/drawing/2014/main" id="{328EB6CC-425B-492B-92EB-A678D71E4FEA}"/>
-              </a:ext>
-            </a:extLst>
-          </p:cNvPr>
+            <a:r>
+              <a:rPr lang="en-US"/>
+              <a:t>Click icon to add picture</a:t>
+            </a:r>
+            <a:endParaRPr lang="en-US" dirty="0"/>
+          </a:p>
+        </p:txBody>
+      </p:sp>
+      <p:sp>
+        <p:nvSpPr>
+          <p:cNvPr id="4" name="Text Placeholder 3"/>
           <p:cNvSpPr>
             <a:spLocks noGrp="1"/>
           </p:cNvSpPr>
@@ -2587,8 +2285,8 @@
         </p:nvSpPr>
         <p:spPr>
           <a:xfrm>
-            <a:off x="839788" y="2057400"/>
-            <a:ext cx="3932237" cy="3811588"/>
+            <a:off x="787302" y="1928812"/>
+            <a:ext cx="3686472" cy="3573364"/>
           </a:xfrm>
         </p:spPr>
         <p:txBody>
@@ -2596,39 +2294,39 @@
           <a:lstStyle>
             <a:lvl1pPr marL="0" indent="0">
               <a:buNone/>
-              <a:defRPr sz="1600"/>
+              <a:defRPr sz="1500"/>
             </a:lvl1pPr>
-            <a:lvl2pPr marL="457200" indent="0">
-              <a:buNone/>
-              <a:defRPr sz="1400"/>
+            <a:lvl2pPr marL="428625" indent="0">
+              <a:buNone/>
+              <a:defRPr sz="1313"/>
             </a:lvl2pPr>
-            <a:lvl3pPr marL="914400" indent="0">
-              <a:buNone/>
-              <a:defRPr sz="1200"/>
+            <a:lvl3pPr marL="857250" indent="0">
+              <a:buNone/>
+              <a:defRPr sz="1125"/>
             </a:lvl3pPr>
-            <a:lvl4pPr marL="1371600" indent="0">
-              <a:buNone/>
-              <a:defRPr sz="1000"/>
+            <a:lvl4pPr marL="1285875" indent="0">
+              <a:buNone/>
+              <a:defRPr sz="938"/>
             </a:lvl4pPr>
-            <a:lvl5pPr marL="1828800" indent="0">
-              <a:buNone/>
-              <a:defRPr sz="1000"/>
+            <a:lvl5pPr marL="1714500" indent="0">
+              <a:buNone/>
+              <a:defRPr sz="938"/>
             </a:lvl5pPr>
-            <a:lvl6pPr marL="2286000" indent="0">
-              <a:buNone/>
-              <a:defRPr sz="1000"/>
+            <a:lvl6pPr marL="2143125" indent="0">
+              <a:buNone/>
+              <a:defRPr sz="938"/>
             </a:lvl6pPr>
-            <a:lvl7pPr marL="2743200" indent="0">
-              <a:buNone/>
-              <a:defRPr sz="1000"/>
+            <a:lvl7pPr marL="2571750" indent="0">
+              <a:buNone/>
+              <a:defRPr sz="938"/>
             </a:lvl7pPr>
-            <a:lvl8pPr marL="3200400" indent="0">
-              <a:buNone/>
-              <a:defRPr sz="1000"/>
+            <a:lvl8pPr marL="3000375" indent="0">
+              <a:buNone/>
+              <a:defRPr sz="938"/>
             </a:lvl8pPr>
-            <a:lvl9pPr marL="3657600" indent="0">
-              <a:buNone/>
-              <a:defRPr sz="1000"/>
+            <a:lvl9pPr marL="3429000" indent="0">
+              <a:buNone/>
+              <a:defRPr sz="938"/>
             </a:lvl9pPr>
           </a:lstStyle>
           <a:p>
@@ -2642,13 +2340,7 @@
       </p:sp>
       <p:sp>
         <p:nvSpPr>
-          <p:cNvPr id="5" name="Date Placeholder 4">
-            <a:extLst>
-              <a:ext uri="{FF2B5EF4-FFF2-40B4-BE49-F238E27FC236}">
-                <a16:creationId xmlns:a16="http://schemas.microsoft.com/office/drawing/2014/main" id="{0FEDD129-5602-46EE-B0F5-C28732E09C19}"/>
-              </a:ext>
-            </a:extLst>
-          </p:cNvPr>
+          <p:cNvPr id="5" name="Date Placeholder 4"/>
           <p:cNvSpPr>
             <a:spLocks noGrp="1"/>
           </p:cNvSpPr>
@@ -2663,7 +2355,7 @@
           <a:p>
             <a:fld id="{A7241F81-3603-4DB5-9239-49014A35A5A8}" type="datetimeFigureOut">
               <a:rPr lang="en-US" smtClean="0"/>
-              <a:t>4/27/2018</a:t>
+              <a:t>6/5/2018</a:t>
             </a:fld>
             <a:endParaRPr lang="en-US"/>
           </a:p>
@@ -2671,13 +2363,7 @@
       </p:sp>
       <p:sp>
         <p:nvSpPr>
-          <p:cNvPr id="6" name="Footer Placeholder 5">
-            <a:extLst>
-              <a:ext uri="{FF2B5EF4-FFF2-40B4-BE49-F238E27FC236}">
-                <a16:creationId xmlns:a16="http://schemas.microsoft.com/office/drawing/2014/main" id="{F7DA710C-641B-48F7-BE33-9C3CA6963AE6}"/>
-              </a:ext>
-            </a:extLst>
-          </p:cNvPr>
+          <p:cNvPr id="6" name="Footer Placeholder 5"/>
           <p:cNvSpPr>
             <a:spLocks noGrp="1"/>
           </p:cNvSpPr>
@@ -2696,13 +2382,7 @@
       </p:sp>
       <p:sp>
         <p:nvSpPr>
-          <p:cNvPr id="7" name="Slide Number Placeholder 6">
-            <a:extLst>
-              <a:ext uri="{FF2B5EF4-FFF2-40B4-BE49-F238E27FC236}">
-                <a16:creationId xmlns:a16="http://schemas.microsoft.com/office/drawing/2014/main" id="{8E5F55F4-F9D6-454E-A2E0-C8B7BCE724F2}"/>
-              </a:ext>
-            </a:extLst>
-          </p:cNvPr>
+          <p:cNvPr id="7" name="Slide Number Placeholder 6"/>
           <p:cNvSpPr>
             <a:spLocks noGrp="1"/>
           </p:cNvSpPr>
@@ -2726,7 +2406,7 @@
     </p:spTree>
     <p:extLst>
       <p:ext uri="{BB962C8B-B14F-4D97-AF65-F5344CB8AC3E}">
-        <p14:creationId xmlns:p14="http://schemas.microsoft.com/office/powerpoint/2010/main" val="1420424838"/>
+        <p14:creationId xmlns:p14="http://schemas.microsoft.com/office/powerpoint/2010/main" val="3849579129"/>
       </p:ext>
     </p:extLst>
   </p:cSld>
@@ -2760,13 +2440,7 @@
       </p:grpSpPr>
       <p:sp>
         <p:nvSpPr>
-          <p:cNvPr id="2" name="Title Placeholder 1">
-            <a:extLst>
-              <a:ext uri="{FF2B5EF4-FFF2-40B4-BE49-F238E27FC236}">
-                <a16:creationId xmlns:a16="http://schemas.microsoft.com/office/drawing/2014/main" id="{2BE5F9D9-44DA-47BD-A673-20A01ADCEF6B}"/>
-              </a:ext>
-            </a:extLst>
-          </p:cNvPr>
+          <p:cNvPr id="2" name="Title Placeholder 1"/>
           <p:cNvSpPr>
             <a:spLocks noGrp="1"/>
           </p:cNvSpPr>
@@ -2776,8 +2450,8 @@
         </p:nvSpPr>
         <p:spPr>
           <a:xfrm>
-            <a:off x="838200" y="365125"/>
-            <a:ext cx="10515600" cy="1325563"/>
+            <a:off x="785813" y="342305"/>
+            <a:ext cx="9858375" cy="1242715"/>
           </a:xfrm>
           <a:prstGeom prst="rect">
             <a:avLst/>
@@ -2793,18 +2467,13 @@
               <a:rPr lang="en-US"/>
               <a:t>Click to edit Master title style</a:t>
             </a:r>
-          </a:p>
-        </p:txBody>
-      </p:sp>
-      <p:sp>
-        <p:nvSpPr>
-          <p:cNvPr id="3" name="Text Placeholder 2">
-            <a:extLst>
-              <a:ext uri="{FF2B5EF4-FFF2-40B4-BE49-F238E27FC236}">
-                <a16:creationId xmlns:a16="http://schemas.microsoft.com/office/drawing/2014/main" id="{851767D3-2853-420A-B130-B9BF46F24C81}"/>
-              </a:ext>
-            </a:extLst>
-          </p:cNvPr>
+            <a:endParaRPr lang="en-US" dirty="0"/>
+          </a:p>
+        </p:txBody>
+      </p:sp>
+      <p:sp>
+        <p:nvSpPr>
+          <p:cNvPr id="3" name="Text Placeholder 2"/>
           <p:cNvSpPr>
             <a:spLocks noGrp="1"/>
           </p:cNvSpPr>
@@ -2814,8 +2483,8 @@
         </p:nvSpPr>
         <p:spPr>
           <a:xfrm>
-            <a:off x="838200" y="1825625"/>
-            <a:ext cx="10515600" cy="4351338"/>
+            <a:off x="785813" y="1711524"/>
+            <a:ext cx="9858375" cy="4079379"/>
           </a:xfrm>
           <a:prstGeom prst="rect">
             <a:avLst/>
@@ -2860,18 +2529,13 @@
               <a:rPr lang="en-US"/>
               <a:t>Fifth level</a:t>
             </a:r>
-          </a:p>
-        </p:txBody>
-      </p:sp>
-      <p:sp>
-        <p:nvSpPr>
-          <p:cNvPr id="4" name="Date Placeholder 3">
-            <a:extLst>
-              <a:ext uri="{FF2B5EF4-FFF2-40B4-BE49-F238E27FC236}">
-                <a16:creationId xmlns:a16="http://schemas.microsoft.com/office/drawing/2014/main" id="{41F37D83-C743-460D-8843-C84E52671042}"/>
-              </a:ext>
-            </a:extLst>
-          </p:cNvPr>
+            <a:endParaRPr lang="en-US" dirty="0"/>
+          </a:p>
+        </p:txBody>
+      </p:sp>
+      <p:sp>
+        <p:nvSpPr>
+          <p:cNvPr id="4" name="Date Placeholder 3"/>
           <p:cNvSpPr>
             <a:spLocks noGrp="1"/>
           </p:cNvSpPr>
@@ -2881,8 +2545,8 @@
         </p:nvSpPr>
         <p:spPr>
           <a:xfrm>
-            <a:off x="838200" y="6356350"/>
-            <a:ext cx="2743200" cy="365125"/>
+            <a:off x="785813" y="5959078"/>
+            <a:ext cx="2571750" cy="342305"/>
           </a:xfrm>
           <a:prstGeom prst="rect">
             <a:avLst/>
@@ -2892,7 +2556,7 @@
           <a:bodyPr vert="horz" lIns="91440" tIns="45720" rIns="91440" bIns="45720" rtlCol="0" anchor="ctr"/>
           <a:lstStyle>
             <a:lvl1pPr algn="l">
-              <a:defRPr sz="1200">
+              <a:defRPr sz="1125">
                 <a:solidFill>
                   <a:schemeClr val="tx1">
                     <a:tint val="75000"/>
@@ -2904,7 +2568,7 @@
           <a:p>
             <a:fld id="{A7241F81-3603-4DB5-9239-49014A35A5A8}" type="datetimeFigureOut">
               <a:rPr lang="en-US" smtClean="0"/>
-              <a:t>4/27/2018</a:t>
+              <a:t>6/5/2018</a:t>
             </a:fld>
             <a:endParaRPr lang="en-US"/>
           </a:p>
@@ -2912,13 +2576,7 @@
       </p:sp>
       <p:sp>
         <p:nvSpPr>
-          <p:cNvPr id="5" name="Footer Placeholder 4">
-            <a:extLst>
-              <a:ext uri="{FF2B5EF4-FFF2-40B4-BE49-F238E27FC236}">
-                <a16:creationId xmlns:a16="http://schemas.microsoft.com/office/drawing/2014/main" id="{3D5FBE04-FFA8-4140-AC75-AB6274D57EDB}"/>
-              </a:ext>
-            </a:extLst>
-          </p:cNvPr>
+          <p:cNvPr id="5" name="Footer Placeholder 4"/>
           <p:cNvSpPr>
             <a:spLocks noGrp="1"/>
           </p:cNvSpPr>
@@ -2928,8 +2586,8 @@
         </p:nvSpPr>
         <p:spPr>
           <a:xfrm>
-            <a:off x="4038600" y="6356350"/>
-            <a:ext cx="4114800" cy="365125"/>
+            <a:off x="3786188" y="5959078"/>
+            <a:ext cx="3857625" cy="342305"/>
           </a:xfrm>
           <a:prstGeom prst="rect">
             <a:avLst/>
@@ -2939,7 +2597,7 @@
           <a:bodyPr vert="horz" lIns="91440" tIns="45720" rIns="91440" bIns="45720" rtlCol="0" anchor="ctr"/>
           <a:lstStyle>
             <a:lvl1pPr algn="ctr">
-              <a:defRPr sz="1200">
+              <a:defRPr sz="1125">
                 <a:solidFill>
                   <a:schemeClr val="tx1">
                     <a:tint val="75000"/>
@@ -2955,13 +2613,7 @@
       </p:sp>
       <p:sp>
         <p:nvSpPr>
-          <p:cNvPr id="6" name="Slide Number Placeholder 5">
-            <a:extLst>
-              <a:ext uri="{FF2B5EF4-FFF2-40B4-BE49-F238E27FC236}">
-                <a16:creationId xmlns:a16="http://schemas.microsoft.com/office/drawing/2014/main" id="{3F4B3502-ABE5-4793-A7F4-CA0B0F3F6A0E}"/>
-              </a:ext>
-            </a:extLst>
-          </p:cNvPr>
+          <p:cNvPr id="6" name="Slide Number Placeholder 5"/>
           <p:cNvSpPr>
             <a:spLocks noGrp="1"/>
           </p:cNvSpPr>
@@ -2971,8 +2623,8 @@
         </p:nvSpPr>
         <p:spPr>
           <a:xfrm>
-            <a:off x="8610600" y="6356350"/>
-            <a:ext cx="2743200" cy="365125"/>
+            <a:off x="8072438" y="5959078"/>
+            <a:ext cx="2571750" cy="342305"/>
           </a:xfrm>
           <a:prstGeom prst="rect">
             <a:avLst/>
@@ -2982,7 +2634,7 @@
           <a:bodyPr vert="horz" lIns="91440" tIns="45720" rIns="91440" bIns="45720" rtlCol="0" anchor="ctr"/>
           <a:lstStyle>
             <a:lvl1pPr algn="r">
-              <a:defRPr sz="1200">
+              <a:defRPr sz="1125">
                 <a:solidFill>
                   <a:schemeClr val="tx1">
                     <a:tint val="75000"/>
@@ -3003,27 +2655,27 @@
     </p:spTree>
     <p:extLst>
       <p:ext uri="{BB962C8B-B14F-4D97-AF65-F5344CB8AC3E}">
-        <p14:creationId xmlns:p14="http://schemas.microsoft.com/office/powerpoint/2010/main" val="1012317676"/>
+        <p14:creationId xmlns:p14="http://schemas.microsoft.com/office/powerpoint/2010/main" val="3617428657"/>
       </p:ext>
     </p:extLst>
   </p:cSld>
   <p:clrMap bg1="lt1" tx1="dk1" bg2="lt2" tx2="dk2" accent1="accent1" accent2="accent2" accent3="accent3" accent4="accent4" accent5="accent5" accent6="accent6" hlink="hlink" folHlink="folHlink"/>
   <p:sldLayoutIdLst>
-    <p:sldLayoutId id="2147483649" r:id="rId1"/>
-    <p:sldLayoutId id="2147483650" r:id="rId2"/>
-    <p:sldLayoutId id="2147483651" r:id="rId3"/>
-    <p:sldLayoutId id="2147483652" r:id="rId4"/>
-    <p:sldLayoutId id="2147483653" r:id="rId5"/>
-    <p:sldLayoutId id="2147483654" r:id="rId6"/>
-    <p:sldLayoutId id="2147483655" r:id="rId7"/>
-    <p:sldLayoutId id="2147483656" r:id="rId8"/>
-    <p:sldLayoutId id="2147483657" r:id="rId9"/>
-    <p:sldLayoutId id="2147483658" r:id="rId10"/>
-    <p:sldLayoutId id="2147483659" r:id="rId11"/>
+    <p:sldLayoutId id="2147483661" r:id="rId1"/>
+    <p:sldLayoutId id="2147483662" r:id="rId2"/>
+    <p:sldLayoutId id="2147483663" r:id="rId3"/>
+    <p:sldLayoutId id="2147483664" r:id="rId4"/>
+    <p:sldLayoutId id="2147483665" r:id="rId5"/>
+    <p:sldLayoutId id="2147483666" r:id="rId6"/>
+    <p:sldLayoutId id="2147483667" r:id="rId7"/>
+    <p:sldLayoutId id="2147483668" r:id="rId8"/>
+    <p:sldLayoutId id="2147483669" r:id="rId9"/>
+    <p:sldLayoutId id="2147483670" r:id="rId10"/>
+    <p:sldLayoutId id="2147483671" r:id="rId11"/>
   </p:sldLayoutIdLst>
   <p:txStyles>
     <p:titleStyle>
-      <a:lvl1pPr algn="l" defTabSz="914400" rtl="0" eaLnBrk="1" latinLnBrk="0" hangingPunct="1">
+      <a:lvl1pPr algn="l" defTabSz="857250" rtl="0" eaLnBrk="1" latinLnBrk="0" hangingPunct="1">
         <a:lnSpc>
           <a:spcPct val="90000"/>
         </a:lnSpc>
@@ -3031,7 +2683,7 @@
           <a:spcPct val="0"/>
         </a:spcBef>
         <a:buNone/>
-        <a:defRPr sz="4400" kern="1200">
+        <a:defRPr sz="4125" kern="1200">
           <a:solidFill>
             <a:schemeClr val="tx1"/>
           </a:solidFill>
@@ -3042,16 +2694,16 @@
       </a:lvl1pPr>
     </p:titleStyle>
     <p:bodyStyle>
-      <a:lvl1pPr marL="228600" indent="-228600" algn="l" defTabSz="914400" rtl="0" eaLnBrk="1" latinLnBrk="0" hangingPunct="1">
+      <a:lvl1pPr marL="214313" indent="-214313" algn="l" defTabSz="857250" rtl="0" eaLnBrk="1" latinLnBrk="0" hangingPunct="1">
         <a:lnSpc>
           <a:spcPct val="90000"/>
         </a:lnSpc>
         <a:spcBef>
-          <a:spcPts val="1000"/>
+          <a:spcPts val="938"/>
         </a:spcBef>
         <a:buFont typeface="Arial" panose="020B0604020202020204" pitchFamily="34" charset="0"/>
         <a:buChar char="•"/>
-        <a:defRPr sz="2800" kern="1200">
+        <a:defRPr sz="2625" kern="1200">
           <a:solidFill>
             <a:schemeClr val="tx1"/>
           </a:solidFill>
@@ -3060,16 +2712,16 @@
           <a:cs typeface="+mn-cs"/>
         </a:defRPr>
       </a:lvl1pPr>
-      <a:lvl2pPr marL="685800" indent="-228600" algn="l" defTabSz="914400" rtl="0" eaLnBrk="1" latinLnBrk="0" hangingPunct="1">
+      <a:lvl2pPr marL="642938" indent="-214313" algn="l" defTabSz="857250" rtl="0" eaLnBrk="1" latinLnBrk="0" hangingPunct="1">
         <a:lnSpc>
           <a:spcPct val="90000"/>
         </a:lnSpc>
         <a:spcBef>
-          <a:spcPts val="500"/>
+          <a:spcPts val="469"/>
         </a:spcBef>
         <a:buFont typeface="Arial" panose="020B0604020202020204" pitchFamily="34" charset="0"/>
         <a:buChar char="•"/>
-        <a:defRPr sz="2400" kern="1200">
+        <a:defRPr sz="2250" kern="1200">
           <a:solidFill>
             <a:schemeClr val="tx1"/>
           </a:solidFill>
@@ -3078,16 +2730,16 @@
           <a:cs typeface="+mn-cs"/>
         </a:defRPr>
       </a:lvl2pPr>
-      <a:lvl3pPr marL="1143000" indent="-228600" algn="l" defTabSz="914400" rtl="0" eaLnBrk="1" latinLnBrk="0" hangingPunct="1">
+      <a:lvl3pPr marL="1071563" indent="-214313" algn="l" defTabSz="857250" rtl="0" eaLnBrk="1" latinLnBrk="0" hangingPunct="1">
         <a:lnSpc>
           <a:spcPct val="90000"/>
         </a:lnSpc>
         <a:spcBef>
-          <a:spcPts val="500"/>
+          <a:spcPts val="469"/>
         </a:spcBef>
         <a:buFont typeface="Arial" panose="020B0604020202020204" pitchFamily="34" charset="0"/>
         <a:buChar char="•"/>
-        <a:defRPr sz="2000" kern="1200">
+        <a:defRPr sz="1875" kern="1200">
           <a:solidFill>
             <a:schemeClr val="tx1"/>
           </a:solidFill>
@@ -3096,16 +2748,16 @@
           <a:cs typeface="+mn-cs"/>
         </a:defRPr>
       </a:lvl3pPr>
-      <a:lvl4pPr marL="1600200" indent="-228600" algn="l" defTabSz="914400" rtl="0" eaLnBrk="1" latinLnBrk="0" hangingPunct="1">
+      <a:lvl4pPr marL="1500188" indent="-214313" algn="l" defTabSz="857250" rtl="0" eaLnBrk="1" latinLnBrk="0" hangingPunct="1">
         <a:lnSpc>
           <a:spcPct val="90000"/>
         </a:lnSpc>
         <a:spcBef>
-          <a:spcPts val="500"/>
+          <a:spcPts val="469"/>
         </a:spcBef>
         <a:buFont typeface="Arial" panose="020B0604020202020204" pitchFamily="34" charset="0"/>
         <a:buChar char="•"/>
-        <a:defRPr sz="1800" kern="1200">
+        <a:defRPr sz="1688" kern="1200">
           <a:solidFill>
             <a:schemeClr val="tx1"/>
           </a:solidFill>
@@ -3114,16 +2766,16 @@
           <a:cs typeface="+mn-cs"/>
         </a:defRPr>
       </a:lvl4pPr>
-      <a:lvl5pPr marL="2057400" indent="-228600" algn="l" defTabSz="914400" rtl="0" eaLnBrk="1" latinLnBrk="0" hangingPunct="1">
+      <a:lvl5pPr marL="1928813" indent="-214313" algn="l" defTabSz="857250" rtl="0" eaLnBrk="1" latinLnBrk="0" hangingPunct="1">
         <a:lnSpc>
           <a:spcPct val="90000"/>
         </a:lnSpc>
         <a:spcBef>
-          <a:spcPts val="500"/>
+          <a:spcPts val="469"/>
         </a:spcBef>
         <a:buFont typeface="Arial" panose="020B0604020202020204" pitchFamily="34" charset="0"/>
         <a:buChar char="•"/>
-        <a:defRPr sz="1800" kern="1200">
+        <a:defRPr sz="1688" kern="1200">
           <a:solidFill>
             <a:schemeClr val="tx1"/>
           </a:solidFill>
@@ -3132,16 +2784,16 @@
           <a:cs typeface="+mn-cs"/>
         </a:defRPr>
       </a:lvl5pPr>
-      <a:lvl6pPr marL="2514600" indent="-228600" algn="l" defTabSz="914400" rtl="0" eaLnBrk="1" latinLnBrk="0" hangingPunct="1">
+      <a:lvl6pPr marL="2357438" indent="-214313" algn="l" defTabSz="857250" rtl="0" eaLnBrk="1" latinLnBrk="0" hangingPunct="1">
         <a:lnSpc>
           <a:spcPct val="90000"/>
         </a:lnSpc>
         <a:spcBef>
-          <a:spcPts val="500"/>
+          <a:spcPts val="469"/>
         </a:spcBef>
         <a:buFont typeface="Arial" panose="020B0604020202020204" pitchFamily="34" charset="0"/>
         <a:buChar char="•"/>
-        <a:defRPr sz="1800" kern="1200">
+        <a:defRPr sz="1688" kern="1200">
           <a:solidFill>
             <a:schemeClr val="tx1"/>
           </a:solidFill>
@@ -3150,16 +2802,16 @@
           <a:cs typeface="+mn-cs"/>
         </a:defRPr>
       </a:lvl6pPr>
-      <a:lvl7pPr marL="2971800" indent="-228600" algn="l" defTabSz="914400" rtl="0" eaLnBrk="1" latinLnBrk="0" hangingPunct="1">
+      <a:lvl7pPr marL="2786063" indent="-214313" algn="l" defTabSz="857250" rtl="0" eaLnBrk="1" latinLnBrk="0" hangingPunct="1">
         <a:lnSpc>
           <a:spcPct val="90000"/>
         </a:lnSpc>
         <a:spcBef>
-          <a:spcPts val="500"/>
+          <a:spcPts val="469"/>
         </a:spcBef>
         <a:buFont typeface="Arial" panose="020B0604020202020204" pitchFamily="34" charset="0"/>
         <a:buChar char="•"/>
-        <a:defRPr sz="1800" kern="1200">
+        <a:defRPr sz="1688" kern="1200">
           <a:solidFill>
             <a:schemeClr val="tx1"/>
           </a:solidFill>
@@ -3168,16 +2820,16 @@
           <a:cs typeface="+mn-cs"/>
         </a:defRPr>
       </a:lvl7pPr>
-      <a:lvl8pPr marL="3429000" indent="-228600" algn="l" defTabSz="914400" rtl="0" eaLnBrk="1" latinLnBrk="0" hangingPunct="1">
+      <a:lvl8pPr marL="3214688" indent="-214313" algn="l" defTabSz="857250" rtl="0" eaLnBrk="1" latinLnBrk="0" hangingPunct="1">
         <a:lnSpc>
           <a:spcPct val="90000"/>
         </a:lnSpc>
         <a:spcBef>
-          <a:spcPts val="500"/>
+          <a:spcPts val="469"/>
         </a:spcBef>
         <a:buFont typeface="Arial" panose="020B0604020202020204" pitchFamily="34" charset="0"/>
         <a:buChar char="•"/>
-        <a:defRPr sz="1800" kern="1200">
+        <a:defRPr sz="1688" kern="1200">
           <a:solidFill>
             <a:schemeClr val="tx1"/>
           </a:solidFill>
@@ -3186,16 +2838,16 @@
           <a:cs typeface="+mn-cs"/>
         </a:defRPr>
       </a:lvl8pPr>
-      <a:lvl9pPr marL="3886200" indent="-228600" algn="l" defTabSz="914400" rtl="0" eaLnBrk="1" latinLnBrk="0" hangingPunct="1">
+      <a:lvl9pPr marL="3643313" indent="-214313" algn="l" defTabSz="857250" rtl="0" eaLnBrk="1" latinLnBrk="0" hangingPunct="1">
         <a:lnSpc>
           <a:spcPct val="90000"/>
         </a:lnSpc>
         <a:spcBef>
-          <a:spcPts val="500"/>
+          <a:spcPts val="469"/>
         </a:spcBef>
         <a:buFont typeface="Arial" panose="020B0604020202020204" pitchFamily="34" charset="0"/>
         <a:buChar char="•"/>
-        <a:defRPr sz="1800" kern="1200">
+        <a:defRPr sz="1688" kern="1200">
           <a:solidFill>
             <a:schemeClr val="tx1"/>
           </a:solidFill>
@@ -3209,8 +2861,8 @@
       <a:defPPr>
         <a:defRPr lang="en-US"/>
       </a:defPPr>
-      <a:lvl1pPr marL="0" algn="l" defTabSz="914400" rtl="0" eaLnBrk="1" latinLnBrk="0" hangingPunct="1">
-        <a:defRPr sz="1800" kern="1200">
+      <a:lvl1pPr marL="0" algn="l" defTabSz="857250" rtl="0" eaLnBrk="1" latinLnBrk="0" hangingPunct="1">
+        <a:defRPr sz="1688" kern="1200">
           <a:solidFill>
             <a:schemeClr val="tx1"/>
           </a:solidFill>
@@ -3219,8 +2871,8 @@
           <a:cs typeface="+mn-cs"/>
         </a:defRPr>
       </a:lvl1pPr>
-      <a:lvl2pPr marL="457200" algn="l" defTabSz="914400" rtl="0" eaLnBrk="1" latinLnBrk="0" hangingPunct="1">
-        <a:defRPr sz="1800" kern="1200">
+      <a:lvl2pPr marL="428625" algn="l" defTabSz="857250" rtl="0" eaLnBrk="1" latinLnBrk="0" hangingPunct="1">
+        <a:defRPr sz="1688" kern="1200">
           <a:solidFill>
             <a:schemeClr val="tx1"/>
           </a:solidFill>
@@ -3229,8 +2881,8 @@
           <a:cs typeface="+mn-cs"/>
         </a:defRPr>
       </a:lvl2pPr>
-      <a:lvl3pPr marL="914400" algn="l" defTabSz="914400" rtl="0" eaLnBrk="1" latinLnBrk="0" hangingPunct="1">
-        <a:defRPr sz="1800" kern="1200">
+      <a:lvl3pPr marL="857250" algn="l" defTabSz="857250" rtl="0" eaLnBrk="1" latinLnBrk="0" hangingPunct="1">
+        <a:defRPr sz="1688" kern="1200">
           <a:solidFill>
             <a:schemeClr val="tx1"/>
           </a:solidFill>
@@ -3239,8 +2891,8 @@
           <a:cs typeface="+mn-cs"/>
         </a:defRPr>
       </a:lvl3pPr>
-      <a:lvl4pPr marL="1371600" algn="l" defTabSz="914400" rtl="0" eaLnBrk="1" latinLnBrk="0" hangingPunct="1">
-        <a:defRPr sz="1800" kern="1200">
+      <a:lvl4pPr marL="1285875" algn="l" defTabSz="857250" rtl="0" eaLnBrk="1" latinLnBrk="0" hangingPunct="1">
+        <a:defRPr sz="1688" kern="1200">
           <a:solidFill>
             <a:schemeClr val="tx1"/>
           </a:solidFill>
@@ -3249,8 +2901,8 @@
           <a:cs typeface="+mn-cs"/>
         </a:defRPr>
       </a:lvl4pPr>
-      <a:lvl5pPr marL="1828800" algn="l" defTabSz="914400" rtl="0" eaLnBrk="1" latinLnBrk="0" hangingPunct="1">
-        <a:defRPr sz="1800" kern="1200">
+      <a:lvl5pPr marL="1714500" algn="l" defTabSz="857250" rtl="0" eaLnBrk="1" latinLnBrk="0" hangingPunct="1">
+        <a:defRPr sz="1688" kern="1200">
           <a:solidFill>
             <a:schemeClr val="tx1"/>
           </a:solidFill>
@@ -3259,8 +2911,8 @@
           <a:cs typeface="+mn-cs"/>
         </a:defRPr>
       </a:lvl5pPr>
-      <a:lvl6pPr marL="2286000" algn="l" defTabSz="914400" rtl="0" eaLnBrk="1" latinLnBrk="0" hangingPunct="1">
-        <a:defRPr sz="1800" kern="1200">
+      <a:lvl6pPr marL="2143125" algn="l" defTabSz="857250" rtl="0" eaLnBrk="1" latinLnBrk="0" hangingPunct="1">
+        <a:defRPr sz="1688" kern="1200">
           <a:solidFill>
             <a:schemeClr val="tx1"/>
           </a:solidFill>
@@ -3269,8 +2921,8 @@
           <a:cs typeface="+mn-cs"/>
         </a:defRPr>
       </a:lvl6pPr>
-      <a:lvl7pPr marL="2743200" algn="l" defTabSz="914400" rtl="0" eaLnBrk="1" latinLnBrk="0" hangingPunct="1">
-        <a:defRPr sz="1800" kern="1200">
+      <a:lvl7pPr marL="2571750" algn="l" defTabSz="857250" rtl="0" eaLnBrk="1" latinLnBrk="0" hangingPunct="1">
+        <a:defRPr sz="1688" kern="1200">
           <a:solidFill>
             <a:schemeClr val="tx1"/>
           </a:solidFill>
@@ -3279,8 +2931,8 @@
           <a:cs typeface="+mn-cs"/>
         </a:defRPr>
       </a:lvl7pPr>
-      <a:lvl8pPr marL="3200400" algn="l" defTabSz="914400" rtl="0" eaLnBrk="1" latinLnBrk="0" hangingPunct="1">
-        <a:defRPr sz="1800" kern="1200">
+      <a:lvl8pPr marL="3000375" algn="l" defTabSz="857250" rtl="0" eaLnBrk="1" latinLnBrk="0" hangingPunct="1">
+        <a:defRPr sz="1688" kern="1200">
           <a:solidFill>
             <a:schemeClr val="tx1"/>
           </a:solidFill>
@@ -3289,8 +2941,8 @@
           <a:cs typeface="+mn-cs"/>
         </a:defRPr>
       </a:lvl8pPr>
-      <a:lvl9pPr marL="3657600" algn="l" defTabSz="914400" rtl="0" eaLnBrk="1" latinLnBrk="0" hangingPunct="1">
-        <a:defRPr sz="1800" kern="1200">
+      <a:lvl9pPr marL="3429000" algn="l" defTabSz="857250" rtl="0" eaLnBrk="1" latinLnBrk="0" hangingPunct="1">
+        <a:defRPr sz="1688" kern="1200">
           <a:solidFill>
             <a:schemeClr val="tx1"/>
           </a:solidFill>
@@ -3399,8 +3051,8 @@
         </p:blipFill>
         <p:spPr>
           <a:xfrm>
-            <a:off x="10668000" y="5258040"/>
-            <a:ext cx="1390828" cy="1390828"/>
+            <a:off x="10001250" y="4929412"/>
+            <a:ext cx="1303901" cy="1303901"/>
           </a:xfrm>
           <a:prstGeom prst="rect">
             <a:avLst/>
@@ -3423,7 +3075,7 @@
 <file path=ppt/theme/theme1.xml><?xml version="1.0" encoding="utf-8"?>
 <a:theme xmlns:a="http://schemas.openxmlformats.org/drawingml/2006/main" name="Office Theme">
   <a:themeElements>
-    <a:clrScheme name="Office">
+    <a:clrScheme name="Office Theme">
       <a:dk1>
         <a:sysClr val="windowText" lastClr="000000"/>
       </a:dk1>
@@ -3461,7 +3113,7 @@
         <a:srgbClr val="954F72"/>
       </a:folHlink>
     </a:clrScheme>
-    <a:fontScheme name="Office">
+    <a:fontScheme name="Office Theme">
       <a:majorFont>
         <a:latin typeface="Calibri Light" panose="020F0302020204030204"/>
         <a:ea typeface=""/>
@@ -3496,23 +3148,6 @@
         <a:font script="Viet" typeface="Times New Roman"/>
         <a:font script="Uigh" typeface="Microsoft Uighur"/>
         <a:font script="Geor" typeface="Sylfaen"/>
-        <a:font script="Armn" typeface="Arial"/>
-        <a:font script="Bugi" typeface="Leelawadee UI"/>
-        <a:font script="Bopo" typeface="Microsoft JhengHei"/>
-        <a:font script="Java" typeface="Javanese Text"/>
-        <a:font script="Lisu" typeface="Segoe UI"/>
-        <a:font script="Mymr" typeface="Myanmar Text"/>
-        <a:font script="Nkoo" typeface="Ebrima"/>
-        <a:font script="Olck" typeface="Nirmala UI"/>
-        <a:font script="Osma" typeface="Ebrima"/>
-        <a:font script="Phag" typeface="Phagspa"/>
-        <a:font script="Syrn" typeface="Estrangelo Edessa"/>
-        <a:font script="Syrj" typeface="Estrangelo Edessa"/>
-        <a:font script="Syre" typeface="Estrangelo Edessa"/>
-        <a:font script="Sora" typeface="Nirmala UI"/>
-        <a:font script="Tale" typeface="Microsoft Tai Le"/>
-        <a:font script="Talu" typeface="Microsoft New Tai Lue"/>
-        <a:font script="Tfng" typeface="Ebrima"/>
       </a:majorFont>
       <a:minorFont>
         <a:latin typeface="Calibri" panose="020F0502020204030204"/>
@@ -3548,26 +3183,9 @@
         <a:font script="Viet" typeface="Arial"/>
         <a:font script="Uigh" typeface="Microsoft Uighur"/>
         <a:font script="Geor" typeface="Sylfaen"/>
-        <a:font script="Armn" typeface="Arial"/>
-        <a:font script="Bugi" typeface="Leelawadee UI"/>
-        <a:font script="Bopo" typeface="Microsoft JhengHei"/>
-        <a:font script="Java" typeface="Javanese Text"/>
-        <a:font script="Lisu" typeface="Segoe UI"/>
-        <a:font script="Mymr" typeface="Myanmar Text"/>
-        <a:font script="Nkoo" typeface="Ebrima"/>
-        <a:font script="Olck" typeface="Nirmala UI"/>
-        <a:font script="Osma" typeface="Ebrima"/>
-        <a:font script="Phag" typeface="Phagspa"/>
-        <a:font script="Syrn" typeface="Estrangelo Edessa"/>
-        <a:font script="Syrj" typeface="Estrangelo Edessa"/>
-        <a:font script="Syre" typeface="Estrangelo Edessa"/>
-        <a:font script="Sora" typeface="Nirmala UI"/>
-        <a:font script="Tale" typeface="Microsoft Tai Le"/>
-        <a:font script="Talu" typeface="Microsoft New Tai Lue"/>
-        <a:font script="Tfng" typeface="Ebrima"/>
       </a:minorFont>
     </a:fontScheme>
-    <a:fmtScheme name="Office">
+    <a:fmtScheme name="Office Theme">
       <a:fillStyleLst>
         <a:solidFill>
           <a:schemeClr val="phClr"/>
